--- a/SimpleCalculator/doc/Presentation.pptx
+++ b/SimpleCalculator/doc/Presentation.pptx
@@ -5,30 +5,34 @@
     <p:sldMasterId id="2147483648" r:id="rId1"/>
   </p:sldMasterIdLst>
   <p:notesMasterIdLst>
-    <p:notesMasterId r:id="rId20"/>
+    <p:notesMasterId r:id="rId24"/>
   </p:notesMasterIdLst>
   <p:handoutMasterIdLst>
-    <p:handoutMasterId r:id="rId21"/>
+    <p:handoutMasterId r:id="rId25"/>
   </p:handoutMasterIdLst>
   <p:sldIdLst>
     <p:sldId id="280" r:id="rId2"/>
     <p:sldId id="282" r:id="rId3"/>
-    <p:sldId id="289" r:id="rId4"/>
-    <p:sldId id="290" r:id="rId5"/>
-    <p:sldId id="291" r:id="rId6"/>
-    <p:sldId id="299" r:id="rId7"/>
-    <p:sldId id="292" r:id="rId8"/>
+    <p:sldId id="304" r:id="rId4"/>
+    <p:sldId id="289" r:id="rId5"/>
+    <p:sldId id="290" r:id="rId6"/>
+    <p:sldId id="291" r:id="rId7"/>
+    <p:sldId id="295" r:id="rId8"/>
     <p:sldId id="294" r:id="rId9"/>
-    <p:sldId id="293" r:id="rId10"/>
-    <p:sldId id="295" r:id="rId11"/>
-    <p:sldId id="296" r:id="rId12"/>
-    <p:sldId id="297" r:id="rId13"/>
-    <p:sldId id="298" r:id="rId14"/>
-    <p:sldId id="301" r:id="rId15"/>
-    <p:sldId id="302" r:id="rId16"/>
-    <p:sldId id="303" r:id="rId17"/>
-    <p:sldId id="288" r:id="rId18"/>
-    <p:sldId id="300" r:id="rId19"/>
+    <p:sldId id="292" r:id="rId10"/>
+    <p:sldId id="293" r:id="rId11"/>
+    <p:sldId id="299" r:id="rId12"/>
+    <p:sldId id="296" r:id="rId13"/>
+    <p:sldId id="297" r:id="rId14"/>
+    <p:sldId id="298" r:id="rId15"/>
+    <p:sldId id="308" r:id="rId16"/>
+    <p:sldId id="301" r:id="rId17"/>
+    <p:sldId id="302" r:id="rId18"/>
+    <p:sldId id="305" r:id="rId19"/>
+    <p:sldId id="288" r:id="rId20"/>
+    <p:sldId id="300" r:id="rId21"/>
+    <p:sldId id="303" r:id="rId22"/>
+    <p:sldId id="307" r:id="rId23"/>
   </p:sldIdLst>
   <p:sldSz cx="9144000" cy="6858000" type="screen4x3"/>
   <p:notesSz cx="6858000" cy="9144000"/>
@@ -967,6 +971,474 @@
 </p:notesMaster>
 </file>
 
+<file path=ppt/notesSlides/notesSlide1.xml><?xml version="1.0" encoding="utf-8"?>
+<p:notes xmlns:a="http://schemas.openxmlformats.org/drawingml/2006/main" xmlns:r="http://schemas.openxmlformats.org/officeDocument/2006/relationships" xmlns:p="http://schemas.openxmlformats.org/presentationml/2006/main">
+  <p:cSld>
+    <p:spTree>
+      <p:nvGrpSpPr>
+        <p:cNvPr id="1" name=""/>
+        <p:cNvGrpSpPr/>
+        <p:nvPr/>
+      </p:nvGrpSpPr>
+      <p:grpSpPr>
+        <a:xfrm>
+          <a:off x="0" y="0"/>
+          <a:ext cx="0" cy="0"/>
+          <a:chOff x="0" y="0"/>
+          <a:chExt cx="0" cy="0"/>
+        </a:xfrm>
+      </p:grpSpPr>
+      <p:sp>
+        <p:nvSpPr>
+          <p:cNvPr id="2" name="幻灯片图像占位符 1"/>
+          <p:cNvSpPr>
+            <a:spLocks noGrp="1" noRot="1" noChangeAspect="1"/>
+          </p:cNvSpPr>
+          <p:nvPr>
+            <p:ph type="sldImg"/>
+          </p:nvPr>
+        </p:nvSpPr>
+        <p:spPr/>
+      </p:sp>
+      <p:sp>
+        <p:nvSpPr>
+          <p:cNvPr id="3" name="备注占位符 2"/>
+          <p:cNvSpPr>
+            <a:spLocks noGrp="1"/>
+          </p:cNvSpPr>
+          <p:nvPr>
+            <p:ph type="body" idx="1"/>
+          </p:nvPr>
+        </p:nvSpPr>
+        <p:spPr/>
+        <p:txBody>
+          <a:bodyPr/>
+          <a:lstStyle/>
+          <a:p>
+            <a:r>
+              <a:rPr lang="en-US" altLang="zh-CN" dirty="0" smtClean="0"/>
+              <a:t>Background information about the </a:t>
+            </a:r>
+            <a:r>
+              <a:rPr lang="en-US" altLang="de-DE" dirty="0" smtClean="0"/>
+              <a:t>Continuous Integration,</a:t>
+            </a:r>
+            <a:r>
+              <a:rPr lang="en-US" altLang="de-DE" baseline="0" dirty="0" smtClean="0"/>
+              <a:t> which is also called </a:t>
+            </a:r>
+            <a:r>
+              <a:rPr lang="en-US" altLang="de-DE" dirty="0" smtClean="0"/>
+              <a:t>Infrastructure Automation</a:t>
+            </a:r>
+          </a:p>
+          <a:p>
+            <a:pPr marL="0" marR="0" lvl="0" indent="0" algn="l" defTabSz="914400" rtl="0" eaLnBrk="0" fontAlgn="base" latinLnBrk="0" hangingPunct="0">
+              <a:lnSpc>
+                <a:spcPct val="100000"/>
+              </a:lnSpc>
+              <a:spcBef>
+                <a:spcPct val="30000"/>
+              </a:spcBef>
+              <a:spcAft>
+                <a:spcPct val="0"/>
+              </a:spcAft>
+              <a:buClrTx/>
+              <a:buSzTx/>
+              <a:buFontTx/>
+              <a:buNone/>
+              <a:tabLst/>
+              <a:defRPr/>
+            </a:pPr>
+            <a:r>
+              <a:rPr lang="en-US" altLang="zh-CN" sz="1200" b="0" i="0" u="none" strike="noStrike" kern="1200" noProof="0" dirty="0" smtClean="0">
+                <a:solidFill>
+                  <a:schemeClr val="tx1"/>
+                </a:solidFill>
+                <a:effectLst/>
+                <a:latin typeface="Arial" charset="0"/>
+                <a:ea typeface="+mn-ea"/>
+                <a:cs typeface="+mn-cs"/>
+              </a:rPr>
+              <a:t>positive</a:t>
+            </a:r>
+            <a:r>
+              <a:rPr lang="en-US" altLang="zh-CN" sz="1200" b="0" i="0" kern="1200" noProof="0" dirty="0" smtClean="0">
+                <a:solidFill>
+                  <a:schemeClr val="tx1"/>
+                </a:solidFill>
+                <a:effectLst/>
+                <a:latin typeface="Arial" charset="0"/>
+                <a:ea typeface="+mn-ea"/>
+                <a:cs typeface="+mn-cs"/>
+              </a:rPr>
+              <a:t> </a:t>
+            </a:r>
+            <a:r>
+              <a:rPr lang="en-US" altLang="zh-CN" sz="1200" b="0" i="0" u="none" strike="noStrike" kern="1200" noProof="0" dirty="0" smtClean="0">
+                <a:solidFill>
+                  <a:schemeClr val="tx1"/>
+                </a:solidFill>
+                <a:effectLst/>
+                <a:latin typeface="Arial" charset="0"/>
+                <a:ea typeface="+mn-ea"/>
+                <a:cs typeface="+mn-cs"/>
+              </a:rPr>
+              <a:t>circle for the development</a:t>
+            </a:r>
+            <a:endParaRPr lang="en-US" altLang="zh-CN" sz="1200" b="0" i="0" kern="1200" noProof="0" dirty="0" smtClean="0">
+              <a:solidFill>
+                <a:schemeClr val="tx1"/>
+              </a:solidFill>
+              <a:effectLst/>
+              <a:latin typeface="Arial" charset="0"/>
+              <a:ea typeface="+mn-ea"/>
+              <a:cs typeface="+mn-cs"/>
+            </a:endParaRPr>
+          </a:p>
+          <a:p>
+            <a:endParaRPr lang="zh-CN" altLang="en-US" dirty="0"/>
+          </a:p>
+        </p:txBody>
+      </p:sp>
+      <p:sp>
+        <p:nvSpPr>
+          <p:cNvPr id="4" name="页脚占位符 3"/>
+          <p:cNvSpPr>
+            <a:spLocks noGrp="1"/>
+          </p:cNvSpPr>
+          <p:nvPr>
+            <p:ph type="ftr" sz="quarter" idx="10"/>
+          </p:nvPr>
+        </p:nvSpPr>
+        <p:spPr/>
+        <p:txBody>
+          <a:bodyPr/>
+          <a:lstStyle/>
+          <a:p>
+            <a:pPr>
+              <a:defRPr/>
+            </a:pPr>
+            <a:r>
+              <a:rPr lang="de-DE" smtClean="0"/>
+              <a:t>Prof. Dr. Max Mustermann | Musterfakultät</a:t>
+            </a:r>
+            <a:endParaRPr lang="de-DE" dirty="0"/>
+          </a:p>
+        </p:txBody>
+      </p:sp>
+      <p:sp>
+        <p:nvSpPr>
+          <p:cNvPr id="5" name="灯片编号占位符 4"/>
+          <p:cNvSpPr>
+            <a:spLocks noGrp="1"/>
+          </p:cNvSpPr>
+          <p:nvPr>
+            <p:ph type="sldNum" sz="quarter" idx="11"/>
+          </p:nvPr>
+        </p:nvSpPr>
+        <p:spPr/>
+        <p:txBody>
+          <a:bodyPr/>
+          <a:lstStyle/>
+          <a:p>
+            <a:fld id="{30FF14F5-79B4-4421-BDB9-E16FB6A2F9F2}" type="slidenum">
+              <a:rPr lang="de-DE" altLang="de-DE" smtClean="0"/>
+              <a:pPr/>
+              <a:t>3</a:t>
+            </a:fld>
+            <a:endParaRPr lang="de-DE" altLang="de-DE" dirty="0"/>
+          </a:p>
+        </p:txBody>
+      </p:sp>
+    </p:spTree>
+    <p:extLst>
+      <p:ext uri="{BB962C8B-B14F-4D97-AF65-F5344CB8AC3E}">
+        <p14:creationId xmlns:p14="http://schemas.microsoft.com/office/powerpoint/2010/main" val="3617413047"/>
+      </p:ext>
+    </p:extLst>
+  </p:cSld>
+  <p:clrMapOvr>
+    <a:masterClrMapping/>
+  </p:clrMapOvr>
+</p:notes>
+</file>
+
+<file path=ppt/notesSlides/notesSlide2.xml><?xml version="1.0" encoding="utf-8"?>
+<p:notes xmlns:a="http://schemas.openxmlformats.org/drawingml/2006/main" xmlns:r="http://schemas.openxmlformats.org/officeDocument/2006/relationships" xmlns:p="http://schemas.openxmlformats.org/presentationml/2006/main">
+  <p:cSld>
+    <p:spTree>
+      <p:nvGrpSpPr>
+        <p:cNvPr id="1" name=""/>
+        <p:cNvGrpSpPr/>
+        <p:nvPr/>
+      </p:nvGrpSpPr>
+      <p:grpSpPr>
+        <a:xfrm>
+          <a:off x="0" y="0"/>
+          <a:ext cx="0" cy="0"/>
+          <a:chOff x="0" y="0"/>
+          <a:chExt cx="0" cy="0"/>
+        </a:xfrm>
+      </p:grpSpPr>
+      <p:sp>
+        <p:nvSpPr>
+          <p:cNvPr id="2" name="幻灯片图像占位符 1"/>
+          <p:cNvSpPr>
+            <a:spLocks noGrp="1" noRot="1" noChangeAspect="1"/>
+          </p:cNvSpPr>
+          <p:nvPr>
+            <p:ph type="sldImg"/>
+          </p:nvPr>
+        </p:nvSpPr>
+        <p:spPr/>
+      </p:sp>
+      <p:sp>
+        <p:nvSpPr>
+          <p:cNvPr id="3" name="备注占位符 2"/>
+          <p:cNvSpPr>
+            <a:spLocks noGrp="1"/>
+          </p:cNvSpPr>
+          <p:nvPr>
+            <p:ph type="body" idx="1"/>
+          </p:nvPr>
+        </p:nvSpPr>
+        <p:spPr/>
+        <p:txBody>
+          <a:bodyPr/>
+          <a:lstStyle/>
+          <a:p>
+            <a:r>
+              <a:rPr lang="en-US" altLang="de-DE" dirty="0" err="1" smtClean="0"/>
+              <a:t>Xamarin.UITest</a:t>
+            </a:r>
+            <a:r>
+              <a:rPr lang="en-US" altLang="de-DE" dirty="0" smtClean="0"/>
+              <a:t> facilitates the UI testing automation</a:t>
+            </a:r>
+            <a:endParaRPr lang="zh-CN" altLang="en-US" dirty="0"/>
+          </a:p>
+        </p:txBody>
+      </p:sp>
+      <p:sp>
+        <p:nvSpPr>
+          <p:cNvPr id="4" name="页脚占位符 3"/>
+          <p:cNvSpPr>
+            <a:spLocks noGrp="1"/>
+          </p:cNvSpPr>
+          <p:nvPr>
+            <p:ph type="ftr" sz="quarter" idx="10"/>
+          </p:nvPr>
+        </p:nvSpPr>
+        <p:spPr/>
+        <p:txBody>
+          <a:bodyPr/>
+          <a:lstStyle/>
+          <a:p>
+            <a:pPr>
+              <a:defRPr/>
+            </a:pPr>
+            <a:r>
+              <a:rPr lang="de-DE" smtClean="0"/>
+              <a:t>Prof. Dr. Max Mustermann | Musterfakultät</a:t>
+            </a:r>
+            <a:endParaRPr lang="de-DE" dirty="0"/>
+          </a:p>
+        </p:txBody>
+      </p:sp>
+      <p:sp>
+        <p:nvSpPr>
+          <p:cNvPr id="5" name="灯片编号占位符 4"/>
+          <p:cNvSpPr>
+            <a:spLocks noGrp="1"/>
+          </p:cNvSpPr>
+          <p:nvPr>
+            <p:ph type="sldNum" sz="quarter" idx="11"/>
+          </p:nvPr>
+        </p:nvSpPr>
+        <p:spPr/>
+        <p:txBody>
+          <a:bodyPr/>
+          <a:lstStyle/>
+          <a:p>
+            <a:fld id="{30FF14F5-79B4-4421-BDB9-E16FB6A2F9F2}" type="slidenum">
+              <a:rPr lang="de-DE" altLang="de-DE" smtClean="0"/>
+              <a:pPr/>
+              <a:t>4</a:t>
+            </a:fld>
+            <a:endParaRPr lang="de-DE" altLang="de-DE" dirty="0"/>
+          </a:p>
+        </p:txBody>
+      </p:sp>
+    </p:spTree>
+    <p:extLst>
+      <p:ext uri="{BB962C8B-B14F-4D97-AF65-F5344CB8AC3E}">
+        <p14:creationId xmlns:p14="http://schemas.microsoft.com/office/powerpoint/2010/main" val="467083980"/>
+      </p:ext>
+    </p:extLst>
+  </p:cSld>
+  <p:clrMapOvr>
+    <a:masterClrMapping/>
+  </p:clrMapOvr>
+</p:notes>
+</file>
+
+<file path=ppt/notesSlides/notesSlide3.xml><?xml version="1.0" encoding="utf-8"?>
+<p:notes xmlns:a="http://schemas.openxmlformats.org/drawingml/2006/main" xmlns:r="http://schemas.openxmlformats.org/officeDocument/2006/relationships" xmlns:p="http://schemas.openxmlformats.org/presentationml/2006/main">
+  <p:cSld>
+    <p:spTree>
+      <p:nvGrpSpPr>
+        <p:cNvPr id="1" name=""/>
+        <p:cNvGrpSpPr/>
+        <p:nvPr/>
+      </p:nvGrpSpPr>
+      <p:grpSpPr>
+        <a:xfrm>
+          <a:off x="0" y="0"/>
+          <a:ext cx="0" cy="0"/>
+          <a:chOff x="0" y="0"/>
+          <a:chExt cx="0" cy="0"/>
+        </a:xfrm>
+      </p:grpSpPr>
+      <p:sp>
+        <p:nvSpPr>
+          <p:cNvPr id="2" name="幻灯片图像占位符 1"/>
+          <p:cNvSpPr>
+            <a:spLocks noGrp="1" noRot="1" noChangeAspect="1"/>
+          </p:cNvSpPr>
+          <p:nvPr>
+            <p:ph type="sldImg"/>
+          </p:nvPr>
+        </p:nvSpPr>
+        <p:spPr/>
+      </p:sp>
+      <p:sp>
+        <p:nvSpPr>
+          <p:cNvPr id="3" name="备注占位符 2"/>
+          <p:cNvSpPr>
+            <a:spLocks noGrp="1"/>
+          </p:cNvSpPr>
+          <p:nvPr>
+            <p:ph type="body" idx="1"/>
+          </p:nvPr>
+        </p:nvSpPr>
+        <p:spPr/>
+        <p:txBody>
+          <a:bodyPr/>
+          <a:lstStyle/>
+          <a:p>
+            <a:pPr marL="0" marR="0" lvl="0" indent="0" algn="l" defTabSz="914400" rtl="0" eaLnBrk="0" fontAlgn="base" latinLnBrk="0" hangingPunct="0">
+              <a:lnSpc>
+                <a:spcPct val="100000"/>
+              </a:lnSpc>
+              <a:spcBef>
+                <a:spcPct val="30000"/>
+              </a:spcBef>
+              <a:spcAft>
+                <a:spcPct val="0"/>
+              </a:spcAft>
+              <a:buClrTx/>
+              <a:buSzTx/>
+              <a:buFontTx/>
+              <a:buNone/>
+              <a:tabLst/>
+              <a:defRPr/>
+            </a:pPr>
+            <a:r>
+              <a:rPr lang="en-US" altLang="zh-CN" noProof="0" dirty="0" smtClean="0"/>
+              <a:t>App center compete with Amazon</a:t>
+            </a:r>
+            <a:r>
+              <a:rPr lang="en-US" altLang="zh-CN" baseline="0" noProof="0" dirty="0" smtClean="0"/>
+              <a:t> </a:t>
+            </a:r>
+            <a:r>
+              <a:rPr lang="en-US" altLang="zh-CN" sz="1200" b="0" i="0" u="none" strike="noStrike" kern="1200" noProof="0" dirty="0" smtClean="0">
+                <a:solidFill>
+                  <a:schemeClr val="tx1"/>
+                </a:solidFill>
+                <a:effectLst/>
+                <a:latin typeface="Arial" charset="0"/>
+                <a:ea typeface="+mn-ea"/>
+                <a:cs typeface="+mn-cs"/>
+              </a:rPr>
+              <a:t>AWS Device Farm</a:t>
+            </a:r>
+            <a:endParaRPr lang="en-US" altLang="zh-CN" sz="1200" b="0" i="0" kern="1200" noProof="0" dirty="0" smtClean="0">
+              <a:solidFill>
+                <a:schemeClr val="tx1"/>
+              </a:solidFill>
+              <a:effectLst/>
+              <a:latin typeface="Arial" charset="0"/>
+              <a:ea typeface="+mn-ea"/>
+              <a:cs typeface="+mn-cs"/>
+            </a:endParaRPr>
+          </a:p>
+        </p:txBody>
+      </p:sp>
+      <p:sp>
+        <p:nvSpPr>
+          <p:cNvPr id="4" name="页脚占位符 3"/>
+          <p:cNvSpPr>
+            <a:spLocks noGrp="1"/>
+          </p:cNvSpPr>
+          <p:nvPr>
+            <p:ph type="ftr" sz="quarter" idx="10"/>
+          </p:nvPr>
+        </p:nvSpPr>
+        <p:spPr/>
+        <p:txBody>
+          <a:bodyPr/>
+          <a:lstStyle/>
+          <a:p>
+            <a:pPr>
+              <a:defRPr/>
+            </a:pPr>
+            <a:r>
+              <a:rPr lang="de-DE" smtClean="0"/>
+              <a:t>Prof. Dr. Max Mustermann | Musterfakultät</a:t>
+            </a:r>
+            <a:endParaRPr lang="de-DE" dirty="0"/>
+          </a:p>
+        </p:txBody>
+      </p:sp>
+      <p:sp>
+        <p:nvSpPr>
+          <p:cNvPr id="5" name="灯片编号占位符 4"/>
+          <p:cNvSpPr>
+            <a:spLocks noGrp="1"/>
+          </p:cNvSpPr>
+          <p:nvPr>
+            <p:ph type="sldNum" sz="quarter" idx="11"/>
+          </p:nvPr>
+        </p:nvSpPr>
+        <p:spPr/>
+        <p:txBody>
+          <a:bodyPr/>
+          <a:lstStyle/>
+          <a:p>
+            <a:fld id="{30FF14F5-79B4-4421-BDB9-E16FB6A2F9F2}" type="slidenum">
+              <a:rPr lang="de-DE" altLang="de-DE" smtClean="0"/>
+              <a:pPr/>
+              <a:t>17</a:t>
+            </a:fld>
+            <a:endParaRPr lang="de-DE" altLang="de-DE" dirty="0"/>
+          </a:p>
+        </p:txBody>
+      </p:sp>
+    </p:spTree>
+    <p:extLst>
+      <p:ext uri="{BB962C8B-B14F-4D97-AF65-F5344CB8AC3E}">
+        <p14:creationId xmlns:p14="http://schemas.microsoft.com/office/powerpoint/2010/main" val="2808638886"/>
+      </p:ext>
+    </p:extLst>
+  </p:cSld>
+  <p:clrMapOvr>
+    <a:masterClrMapping/>
+  </p:clrMapOvr>
+</p:notes>
+</file>
+
 <file path=ppt/slideLayouts/slideLayout1.xml><?xml version="1.0" encoding="utf-8"?>
 <p:sldLayout xmlns:a="http://schemas.openxmlformats.org/drawingml/2006/main" xmlns:r="http://schemas.openxmlformats.org/officeDocument/2006/relationships" xmlns:p="http://schemas.openxmlformats.org/presentationml/2006/main" showMasterSp="0" type="title" preserve="1">
   <p:cSld name="Titelfolie">
@@ -3655,7 +4127,7 @@
             </a:pPr>
             <a:r>
               <a:rPr lang="de-DE" altLang="de-DE" sz="900" dirty="0" smtClean="0"/>
-              <a:t>01.03.2018</a:t>
+              <a:t>10.04.2018</a:t>
             </a:r>
             <a:endParaRPr lang="de-DE" altLang="de-DE" sz="900" dirty="0"/>
           </a:p>
@@ -4383,60 +4855,48 @@
             <a:endParaRPr lang="en-US" altLang="de-DE" dirty="0" smtClean="0"/>
           </a:p>
           <a:p>
-            <a:pPr lvl="1">
-              <a:lnSpc>
-                <a:spcPct val="150000"/>
-              </a:lnSpc>
-            </a:pPr>
+            <a:pPr lvl="1"/>
             <a:r>
               <a:rPr lang="en-US" altLang="zh-CN" dirty="0" smtClean="0"/>
-              <a:t>Test devices can </a:t>
-            </a:r>
-            <a:r>
-              <a:rPr lang="en-US" altLang="zh-CN" dirty="0"/>
-              <a:t>be defined </a:t>
-            </a:r>
-            <a:r>
-              <a:rPr lang="en-US" altLang="zh-CN" dirty="0" smtClean="0"/>
-              <a:t>as device set and </a:t>
-            </a:r>
-            <a:r>
-              <a:rPr lang="en-US" altLang="zh-CN" dirty="0"/>
-              <a:t>referenced many </a:t>
-            </a:r>
-            <a:r>
-              <a:rPr lang="en-US" altLang="zh-CN" dirty="0" smtClean="0"/>
-              <a:t>times</a:t>
-            </a:r>
-          </a:p>
-          <a:p>
-            <a:pPr lvl="1">
-              <a:lnSpc>
-                <a:spcPct val="150000"/>
-              </a:lnSpc>
-            </a:pPr>
-            <a:r>
-              <a:rPr lang="en-US" altLang="zh-CN" dirty="0" smtClean="0"/>
-              <a:t>Running resources like RAM consumption can be captured and added to statistical information</a:t>
-            </a:r>
-          </a:p>
-          <a:p>
-            <a:pPr lvl="1">
-              <a:lnSpc>
-                <a:spcPct val="150000"/>
-              </a:lnSpc>
-            </a:pPr>
-            <a:r>
-              <a:rPr lang="en-US" altLang="zh-CN" dirty="0" smtClean="0"/>
-              <a:t>Test can be triggered with the build scripts after a successful build, so that the complete process works automatically</a:t>
-            </a:r>
-          </a:p>
-        </p:txBody>
-      </p:sp>
+              <a:t>Automatic screen shots for each test device</a:t>
+            </a:r>
+          </a:p>
+        </p:txBody>
+      </p:sp>
+      <p:pic>
+        <p:nvPicPr>
+          <p:cNvPr id="2" name="图片 1"/>
+          <p:cNvPicPr>
+            <a:picLocks noChangeAspect="1"/>
+          </p:cNvPicPr>
+          <p:nvPr/>
+        </p:nvPicPr>
+        <p:blipFill>
+          <a:blip r:embed="rId2" cstate="print">
+            <a:extLst>
+              <a:ext uri="{28A0092B-C50C-407E-A947-70E740481C1C}">
+                <a14:useLocalDpi xmlns:a14="http://schemas.microsoft.com/office/drawing/2010/main" val="0"/>
+              </a:ext>
+            </a:extLst>
+          </a:blip>
+          <a:stretch>
+            <a:fillRect/>
+          </a:stretch>
+        </p:blipFill>
+        <p:spPr>
+          <a:xfrm>
+            <a:off x="971600" y="2204864"/>
+            <a:ext cx="7380312" cy="3521024"/>
+          </a:xfrm>
+          <a:prstGeom prst="rect">
+            <a:avLst/>
+          </a:prstGeom>
+        </p:spPr>
+      </p:pic>
     </p:spTree>
     <p:extLst>
       <p:ext uri="{BB962C8B-B14F-4D97-AF65-F5344CB8AC3E}">
-        <p14:creationId xmlns:p14="http://schemas.microsoft.com/office/powerpoint/2010/main" val="3351708327"/>
+        <p14:creationId xmlns:p14="http://schemas.microsoft.com/office/powerpoint/2010/main" val="2352767964"/>
       </p:ext>
     </p:extLst>
   </p:cSld>
@@ -4533,7 +4993,7 @@
         </p:nvSpPr>
         <p:spPr>
           <a:xfrm>
-            <a:off x="392113" y="1196752"/>
+            <a:off x="392113" y="1415058"/>
             <a:ext cx="8356600" cy="4894262"/>
           </a:xfrm>
         </p:spPr>
@@ -4543,24 +5003,19 @@
           <a:p>
             <a:r>
               <a:rPr lang="en-US" altLang="de-DE" dirty="0" smtClean="0"/>
-              <a:t>App lifetime manage </a:t>
+              <a:t>Publish built apps </a:t>
             </a:r>
             <a:r>
               <a:rPr lang="en-US" altLang="zh-CN" dirty="0" smtClean="0"/>
               <a:t>with Visual Studio App Center</a:t>
             </a:r>
-            <a:endParaRPr lang="en-US" altLang="de-DE" dirty="0" smtClean="0"/>
           </a:p>
           <a:p>
             <a:pPr lvl="1"/>
             <a:r>
-              <a:rPr lang="en-US" altLang="zh-CN" dirty="0" smtClean="0"/>
-              <a:t>Each crash of the app can be captured and statistically displayed in the App Center</a:t>
-            </a:r>
-          </a:p>
-          <a:p>
-            <a:pPr lvl="1"/>
-            <a:endParaRPr lang="en-US" altLang="zh-CN" dirty="0" smtClean="0"/>
+              <a:rPr lang="en-US" altLang="de-DE" dirty="0" smtClean="0"/>
+              <a:t>Stores can be connected to App Center, which makes the publish more efficient</a:t>
+            </a:r>
           </a:p>
         </p:txBody>
       </p:sp>
@@ -4573,15 +5028,21 @@
           <p:nvPr/>
         </p:nvPicPr>
         <p:blipFill>
-          <a:blip r:embed="rId2"/>
+          <a:blip r:embed="rId2" cstate="print">
+            <a:extLst>
+              <a:ext uri="{28A0092B-C50C-407E-A947-70E740481C1C}">
+                <a14:useLocalDpi xmlns:a14="http://schemas.microsoft.com/office/drawing/2010/main" val="0"/>
+              </a:ext>
+            </a:extLst>
+          </a:blip>
           <a:stretch>
             <a:fillRect/>
           </a:stretch>
         </p:blipFill>
         <p:spPr>
           <a:xfrm>
-            <a:off x="1187624" y="2385272"/>
-            <a:ext cx="6624736" cy="3695072"/>
+            <a:off x="688924" y="2492896"/>
+            <a:ext cx="7762977" cy="3703587"/>
           </a:xfrm>
           <a:prstGeom prst="rect">
             <a:avLst/>
@@ -4591,7 +5052,7 @@
     </p:spTree>
     <p:extLst>
       <p:ext uri="{BB962C8B-B14F-4D97-AF65-F5344CB8AC3E}">
-        <p14:creationId xmlns:p14="http://schemas.microsoft.com/office/powerpoint/2010/main" val="556384270"/>
+        <p14:creationId xmlns:p14="http://schemas.microsoft.com/office/powerpoint/2010/main" val="615230541"/>
       </p:ext>
     </p:extLst>
   </p:cSld>
@@ -4709,16 +5170,24 @@
           <a:p>
             <a:pPr lvl="1"/>
             <a:r>
+              <a:rPr lang="en-US" altLang="zh-CN" dirty="0"/>
+              <a:t>By using the component </a:t>
+            </a:r>
+            <a:r>
+              <a:rPr lang="en-US" altLang="zh-CN" i="1" dirty="0" err="1"/>
+              <a:t>Microsoft.AppCenter.Crashs</a:t>
+            </a:r>
+            <a:r>
+              <a:rPr lang="en-US" altLang="zh-CN" i="1" dirty="0" smtClean="0"/>
+              <a:t>, </a:t>
+            </a:r>
+            <a:r>
               <a:rPr lang="en-US" altLang="zh-CN" dirty="0" smtClean="0"/>
-              <a:t>Users who downloaded the published app </a:t>
-            </a:r>
-            <a:r>
-              <a:rPr lang="en-US" altLang="zh-CN" dirty="0"/>
-              <a:t>are </a:t>
+              <a:t>Each </a:t>
             </a:r>
             <a:r>
               <a:rPr lang="en-US" altLang="zh-CN" dirty="0" smtClean="0"/>
-              <a:t>tracked by App Center, which is an important feature for the future improvement</a:t>
+              <a:t>crash of the app can be captured and statistically displayed in the App Center</a:t>
             </a:r>
           </a:p>
           <a:p>
@@ -4729,28 +5198,22 @@
       </p:sp>
       <p:pic>
         <p:nvPicPr>
-          <p:cNvPr id="2" name="图片 1"/>
+          <p:cNvPr id="3" name="图片 2"/>
           <p:cNvPicPr>
             <a:picLocks noChangeAspect="1"/>
           </p:cNvPicPr>
           <p:nvPr/>
         </p:nvPicPr>
         <p:blipFill>
-          <a:blip r:embed="rId2" cstate="print">
-            <a:extLst>
-              <a:ext uri="{28A0092B-C50C-407E-A947-70E740481C1C}">
-                <a14:useLocalDpi xmlns:a14="http://schemas.microsoft.com/office/drawing/2010/main" val="0"/>
-              </a:ext>
-            </a:extLst>
-          </a:blip>
+          <a:blip r:embed="rId2"/>
           <a:stretch>
             <a:fillRect/>
           </a:stretch>
         </p:blipFill>
         <p:spPr>
           <a:xfrm>
-            <a:off x="971600" y="2348880"/>
-            <a:ext cx="7379643" cy="3528392"/>
+            <a:off x="1187624" y="2614248"/>
+            <a:ext cx="6624736" cy="3695072"/>
           </a:xfrm>
           <a:prstGeom prst="rect">
             <a:avLst/>
@@ -4760,7 +5223,7 @@
     </p:spTree>
     <p:extLst>
       <p:ext uri="{BB962C8B-B14F-4D97-AF65-F5344CB8AC3E}">
-        <p14:creationId xmlns:p14="http://schemas.microsoft.com/office/powerpoint/2010/main" val="3423799490"/>
+        <p14:creationId xmlns:p14="http://schemas.microsoft.com/office/powerpoint/2010/main" val="556384270"/>
       </p:ext>
     </p:extLst>
   </p:cSld>
@@ -4878,14 +5341,33 @@
           <a:p>
             <a:pPr lvl="1"/>
             <a:r>
+              <a:rPr lang="en-US" altLang="zh-CN" dirty="0"/>
+              <a:t>By using the component </a:t>
+            </a:r>
+            <a:r>
+              <a:rPr lang="en-US" altLang="zh-CN" i="1" dirty="0" err="1"/>
+              <a:t>Microsoft.AppCenter.Analytics</a:t>
+            </a:r>
+            <a:r>
+              <a:rPr lang="en-US" altLang="zh-CN" i="1" dirty="0"/>
+              <a:t>, </a:t>
+            </a:r>
+            <a:r>
               <a:rPr lang="en-US" altLang="zh-CN" dirty="0" smtClean="0"/>
-              <a:t>Notifications can be pushed </a:t>
+              <a:t>users </a:t>
+            </a:r>
+            <a:r>
+              <a:rPr lang="en-US" altLang="zh-CN" dirty="0" smtClean="0"/>
+              <a:t>who downloaded the published app </a:t>
             </a:r>
             <a:r>
               <a:rPr lang="en-US" altLang="zh-CN" dirty="0"/>
-              <a:t>down to target groups in terms of their devices, their location, their app versions and other features</a:t>
-            </a:r>
-            <a:endParaRPr lang="en-US" altLang="zh-CN" dirty="0" smtClean="0"/>
+              <a:t>are </a:t>
+            </a:r>
+            <a:r>
+              <a:rPr lang="en-US" altLang="zh-CN" dirty="0" smtClean="0"/>
+              <a:t>tracked by App Center, which is an important feature for the future improvement</a:t>
+            </a:r>
           </a:p>
           <a:p>
             <a:pPr lvl="1"/>
@@ -4895,9 +5377,9 @@
       </p:sp>
       <p:pic>
         <p:nvPicPr>
-          <p:cNvPr id="7170" name="Picture 2" descr="Image result for visual studio app center push"/>
+          <p:cNvPr id="2" name="图片 1"/>
           <p:cNvPicPr>
-            <a:picLocks noChangeAspect="1" noChangeArrowheads="1"/>
+            <a:picLocks noChangeAspect="1"/>
           </p:cNvPicPr>
           <p:nvPr/>
         </p:nvPicPr>
@@ -4909,35 +5391,24 @@
               </a:ext>
             </a:extLst>
           </a:blip>
-          <a:srcRect/>
           <a:stretch>
             <a:fillRect/>
           </a:stretch>
         </p:blipFill>
-        <p:spPr bwMode="auto">
+        <p:spPr>
           <a:xfrm>
-            <a:off x="1187624" y="2274590"/>
-            <a:ext cx="6508737" cy="3816424"/>
+            <a:off x="971600" y="2708920"/>
+            <a:ext cx="7379643" cy="3528392"/>
           </a:xfrm>
           <a:prstGeom prst="rect">
             <a:avLst/>
           </a:prstGeom>
-          <a:noFill/>
-          <a:extLst>
-            <a:ext uri="{909E8E84-426E-40DD-AFC4-6F175D3DCCD1}">
-              <a14:hiddenFill xmlns:a14="http://schemas.microsoft.com/office/drawing/2010/main">
-                <a:solidFill>
-                  <a:srgbClr val="FFFFFF"/>
-                </a:solidFill>
-              </a14:hiddenFill>
-            </a:ext>
-          </a:extLst>
         </p:spPr>
       </p:pic>
     </p:spTree>
     <p:extLst>
       <p:ext uri="{BB962C8B-B14F-4D97-AF65-F5344CB8AC3E}">
-        <p14:creationId xmlns:p14="http://schemas.microsoft.com/office/powerpoint/2010/main" val="3373488215"/>
+        <p14:creationId xmlns:p14="http://schemas.microsoft.com/office/powerpoint/2010/main" val="3423799490"/>
       </p:ext>
     </p:extLst>
   </p:cSld>
@@ -5011,10 +5482,14 @@
           <a:lstStyle/>
           <a:p>
             <a:r>
-              <a:rPr lang="en-US" altLang="de-DE" dirty="0" smtClean="0"/>
-              <a:t>Conclusion</a:t>
-            </a:r>
-            <a:endParaRPr lang="en-US" altLang="de-DE" dirty="0" smtClean="0"/>
+              <a:rPr lang="de-DE" altLang="de-DE" dirty="0" smtClean="0"/>
+              <a:t>Solution Approach – </a:t>
+            </a:r>
+            <a:r>
+              <a:rPr lang="en-US" altLang="de-DE" dirty="0"/>
+              <a:t>Continuous Integration</a:t>
+            </a:r>
+            <a:endParaRPr lang="de-DE" altLang="de-DE" dirty="0" smtClean="0"/>
           </a:p>
         </p:txBody>
       </p:sp>
@@ -5039,122 +5514,94 @@
           <a:lstStyle/>
           <a:p>
             <a:r>
-              <a:rPr lang="en-US" altLang="de-DE" dirty="0"/>
-              <a:t>Visual Studio App Center is a powerful tool that particularly suitable for cross-platform app </a:t>
-            </a:r>
-            <a:r>
               <a:rPr lang="en-US" altLang="de-DE" dirty="0" smtClean="0"/>
-              <a:t>development</a:t>
-            </a:r>
-            <a:endParaRPr lang="en-US" altLang="de-DE" dirty="0"/>
-          </a:p>
-          <a:p>
-            <a:pPr lvl="1">
-              <a:lnSpc>
-                <a:spcPct val="150000"/>
-              </a:lnSpc>
-            </a:pPr>
+              <a:t>App lifetime manage </a:t>
+            </a:r>
             <a:r>
               <a:rPr lang="en-US" altLang="zh-CN" dirty="0" smtClean="0"/>
-              <a:t>It </a:t>
+              <a:t>with Visual Studio App Center</a:t>
+            </a:r>
+            <a:endParaRPr lang="en-US" altLang="de-DE" dirty="0" smtClean="0"/>
+          </a:p>
+          <a:p>
+            <a:pPr lvl="1"/>
+            <a:r>
+              <a:rPr lang="en-US" altLang="zh-CN" dirty="0" smtClean="0"/>
+              <a:t>By using the component </a:t>
+            </a:r>
+            <a:r>
+              <a:rPr lang="en-US" altLang="zh-CN" i="1" dirty="0" err="1" smtClean="0"/>
+              <a:t>Microsoft.AppCenter.Push</a:t>
+            </a:r>
+            <a:r>
+              <a:rPr lang="de-DE" altLang="zh-CN" dirty="0" smtClean="0"/>
+              <a:t>, </a:t>
+            </a:r>
+            <a:r>
+              <a:rPr lang="en-US" altLang="zh-CN" dirty="0" smtClean="0"/>
+              <a:t>notifications </a:t>
+            </a:r>
+            <a:r>
+              <a:rPr lang="en-US" altLang="zh-CN" dirty="0" smtClean="0"/>
+              <a:t>can be pushed </a:t>
             </a:r>
             <a:r>
               <a:rPr lang="en-US" altLang="zh-CN" dirty="0"/>
-              <a:t>offers project build in different </a:t>
-            </a:r>
-            <a:r>
-              <a:rPr lang="en-US" altLang="zh-CN" dirty="0" smtClean="0"/>
-              <a:t>platforms</a:t>
-            </a:r>
-          </a:p>
-          <a:p>
-            <a:pPr lvl="1">
-              <a:lnSpc>
-                <a:spcPct val="150000"/>
-              </a:lnSpc>
-            </a:pPr>
-            <a:r>
-              <a:rPr lang="en-US" altLang="zh-CN" dirty="0" smtClean="0"/>
-              <a:t>It supports </a:t>
-            </a:r>
-            <a:r>
-              <a:rPr lang="en-US" altLang="zh-CN" dirty="0"/>
-              <a:t>app tests with an enormous device </a:t>
-            </a:r>
-            <a:r>
-              <a:rPr lang="en-US" altLang="zh-CN" dirty="0" smtClean="0"/>
-              <a:t>farm</a:t>
-            </a:r>
-          </a:p>
-          <a:p>
-            <a:pPr lvl="1">
-              <a:lnSpc>
-                <a:spcPct val="150000"/>
-              </a:lnSpc>
-            </a:pPr>
-            <a:r>
-              <a:rPr lang="en-US" altLang="zh-CN" dirty="0" smtClean="0"/>
-              <a:t>It </a:t>
-            </a:r>
-            <a:r>
-              <a:rPr lang="en-US" altLang="zh-CN" dirty="0"/>
-              <a:t>offers interfaces for the management of app lifetime</a:t>
-            </a:r>
-          </a:p>
-          <a:p>
-            <a:r>
-              <a:rPr lang="en-US" altLang="zh-CN" dirty="0"/>
-              <a:t>The total price for using App Center as build and test platform is basically $139 per </a:t>
-            </a:r>
-            <a:r>
-              <a:rPr lang="en-US" altLang="zh-CN" dirty="0" smtClean="0"/>
-              <a:t>month, which includes:</a:t>
-            </a:r>
-          </a:p>
-          <a:p>
-            <a:pPr lvl="1">
-              <a:lnSpc>
-                <a:spcPct val="150000"/>
-              </a:lnSpc>
-            </a:pPr>
-            <a:r>
-              <a:rPr lang="en-US" altLang="zh-CN" dirty="0" smtClean="0"/>
-              <a:t>$40 </a:t>
-            </a:r>
-            <a:r>
-              <a:rPr lang="en-US" altLang="zh-CN" dirty="0"/>
-              <a:t>per </a:t>
-            </a:r>
-            <a:r>
-              <a:rPr lang="en-US" altLang="zh-CN" dirty="0" smtClean="0"/>
-              <a:t>month for unlimited build time (free for 400 hours)</a:t>
-            </a:r>
-          </a:p>
-          <a:p>
-            <a:pPr lvl="1">
-              <a:lnSpc>
-                <a:spcPct val="150000"/>
-              </a:lnSpc>
-            </a:pPr>
-            <a:r>
-              <a:rPr lang="en-US" altLang="zh-CN" dirty="0" smtClean="0"/>
-              <a:t>$99 </a:t>
-            </a:r>
-            <a:r>
-              <a:rPr lang="en-US" altLang="zh-CN" dirty="0"/>
-              <a:t>per </a:t>
-            </a:r>
-            <a:r>
-              <a:rPr lang="en-US" altLang="zh-CN" dirty="0" smtClean="0"/>
-              <a:t>month for unlimited tests</a:t>
-            </a:r>
-          </a:p>
-        </p:txBody>
-      </p:sp>
+              <a:t>down to target groups in terms of their devices, their location, their app versions and other features</a:t>
+            </a:r>
+            <a:endParaRPr lang="en-US" altLang="zh-CN" dirty="0" smtClean="0"/>
+          </a:p>
+          <a:p>
+            <a:pPr lvl="1"/>
+            <a:endParaRPr lang="en-US" altLang="zh-CN" dirty="0" smtClean="0"/>
+          </a:p>
+        </p:txBody>
+      </p:sp>
+      <p:pic>
+        <p:nvPicPr>
+          <p:cNvPr id="7170" name="Picture 2" descr="Image result for visual studio app center push"/>
+          <p:cNvPicPr>
+            <a:picLocks noChangeAspect="1" noChangeArrowheads="1"/>
+          </p:cNvPicPr>
+          <p:nvPr/>
+        </p:nvPicPr>
+        <p:blipFill>
+          <a:blip r:embed="rId2" cstate="print">
+            <a:extLst>
+              <a:ext uri="{28A0092B-C50C-407E-A947-70E740481C1C}">
+                <a14:useLocalDpi xmlns:a14="http://schemas.microsoft.com/office/drawing/2010/main" val="0"/>
+              </a:ext>
+            </a:extLst>
+          </a:blip>
+          <a:srcRect/>
+          <a:stretch>
+            <a:fillRect/>
+          </a:stretch>
+        </p:blipFill>
+        <p:spPr bwMode="auto">
+          <a:xfrm>
+            <a:off x="1187624" y="2564904"/>
+            <a:ext cx="6508737" cy="3816424"/>
+          </a:xfrm>
+          <a:prstGeom prst="rect">
+            <a:avLst/>
+          </a:prstGeom>
+          <a:noFill/>
+          <a:extLst>
+            <a:ext uri="{909E8E84-426E-40DD-AFC4-6F175D3DCCD1}">
+              <a14:hiddenFill xmlns:a14="http://schemas.microsoft.com/office/drawing/2010/main">
+                <a:solidFill>
+                  <a:srgbClr val="FFFFFF"/>
+                </a:solidFill>
+              </a14:hiddenFill>
+            </a:ext>
+          </a:extLst>
+        </p:spPr>
+      </p:pic>
     </p:spTree>
     <p:extLst>
       <p:ext uri="{BB962C8B-B14F-4D97-AF65-F5344CB8AC3E}">
-        <p14:creationId xmlns:p14="http://schemas.microsoft.com/office/powerpoint/2010/main" val="3023044749"/>
+        <p14:creationId xmlns:p14="http://schemas.microsoft.com/office/powerpoint/2010/main" val="3373488215"/>
       </p:ext>
     </p:extLst>
   </p:cSld>
@@ -5229,9 +5676,8 @@
           <a:p>
             <a:r>
               <a:rPr lang="en-US" altLang="de-DE" dirty="0" smtClean="0"/>
-              <a:t>Conclusion </a:t>
-            </a:r>
-            <a:endParaRPr lang="en-US" altLang="de-DE" dirty="0" smtClean="0"/>
+              <a:t>Conclusion</a:t>
+            </a:r>
           </a:p>
         </p:txBody>
       </p:sp>
@@ -5247,7 +5693,7 @@
         </p:nvSpPr>
         <p:spPr>
           <a:xfrm>
-            <a:off x="392113" y="1124744"/>
+            <a:off x="392113" y="1196752"/>
             <a:ext cx="8356600" cy="4894262"/>
           </a:xfrm>
         </p:spPr>
@@ -5257,7 +5703,23 @@
           <a:p>
             <a:r>
               <a:rPr lang="en-US" altLang="de-DE" dirty="0" smtClean="0"/>
-              <a:t>Disadvantage of using Visual Studio App Center</a:t>
+              <a:t>Xamarin is </a:t>
+            </a:r>
+            <a:r>
+              <a:rPr lang="en-US" altLang="de-DE" dirty="0"/>
+              <a:t>a powerful </a:t>
+            </a:r>
+            <a:r>
+              <a:rPr lang="en-US" altLang="de-DE" dirty="0" smtClean="0"/>
+              <a:t>platform for </a:t>
+            </a:r>
+            <a:r>
+              <a:rPr lang="en-US" altLang="de-DE" dirty="0"/>
+              <a:t>cross-platform app </a:t>
+            </a:r>
+            <a:r>
+              <a:rPr lang="en-US" altLang="de-DE" dirty="0" smtClean="0"/>
+              <a:t>development</a:t>
             </a:r>
           </a:p>
           <a:p>
@@ -5267,16 +5729,8 @@
               </a:lnSpc>
             </a:pPr>
             <a:r>
-              <a:rPr lang="en-US" altLang="zh-CN" dirty="0" smtClean="0"/>
-              <a:t>The </a:t>
-            </a:r>
-            <a:r>
-              <a:rPr lang="en-US" altLang="zh-CN" dirty="0"/>
-              <a:t>job customization is not quite flexible, only three scripts can be configured and they must be executed </a:t>
-            </a:r>
-            <a:r>
-              <a:rPr lang="en-US" altLang="zh-CN" dirty="0" smtClean="0"/>
-              <a:t>consecutively</a:t>
+              <a:rPr lang="en-US" altLang="de-DE" dirty="0" smtClean="0"/>
+              <a:t>C# is a user-friendly and intuitive OO language</a:t>
             </a:r>
           </a:p>
           <a:p>
@@ -5286,35 +5740,18 @@
               </a:lnSpc>
             </a:pPr>
             <a:r>
-              <a:rPr lang="en-US" altLang="zh-CN" dirty="0" smtClean="0"/>
-              <a:t>App </a:t>
-            </a:r>
-            <a:r>
-              <a:rPr lang="en-US" altLang="zh-CN" dirty="0"/>
-              <a:t>Center is a new product of Microsoft, until now not all claimed features are </a:t>
-            </a:r>
-            <a:r>
-              <a:rPr lang="en-US" altLang="zh-CN" dirty="0" smtClean="0"/>
-              <a:t>available, some features are still on the way. And this have made a lot of difficulties in developing the solution.</a:t>
-            </a:r>
-          </a:p>
-          <a:p>
-            <a:pPr>
-              <a:lnSpc>
-                <a:spcPct val="150000"/>
-              </a:lnSpc>
-              <a:spcBef>
-                <a:spcPts val="0"/>
-              </a:spcBef>
-            </a:pPr>
-            <a:r>
-              <a:rPr lang="de-DE" altLang="zh-CN" dirty="0" smtClean="0"/>
-              <a:t>Alternative </a:t>
-            </a:r>
-            <a:r>
-              <a:rPr lang="en-US" altLang="zh-CN" dirty="0" smtClean="0"/>
-              <a:t>solution</a:t>
-            </a:r>
+              <a:rPr lang="en-US" altLang="de-DE" dirty="0" smtClean="0"/>
+              <a:t>The framework is integrated </a:t>
+            </a:r>
+            <a:r>
+              <a:rPr lang="en-US" altLang="de-DE" dirty="0"/>
+              <a:t>in </a:t>
+            </a:r>
+            <a:r>
+              <a:rPr lang="de-DE" altLang="de-DE" dirty="0"/>
+              <a:t>Visual Studio</a:t>
+            </a:r>
+            <a:endParaRPr lang="en-US" altLang="de-DE" dirty="0"/>
           </a:p>
           <a:p>
             <a:pPr lvl="1">
@@ -5323,16 +5760,36 @@
               </a:lnSpc>
             </a:pPr>
             <a:r>
+              <a:rPr lang="en-US" altLang="de-DE" dirty="0"/>
+              <a:t>Offers test framework “</a:t>
+            </a:r>
+            <a:r>
+              <a:rPr lang="en-US" altLang="de-DE" dirty="0" err="1"/>
+              <a:t>Xamarin.UITest</a:t>
+            </a:r>
+            <a:r>
+              <a:rPr lang="en-US" altLang="de-DE" dirty="0" smtClean="0"/>
+              <a:t>”</a:t>
+            </a:r>
+            <a:endParaRPr lang="en-US" altLang="de-DE" dirty="0"/>
+          </a:p>
+          <a:p>
+            <a:r>
+              <a:rPr lang="en-US" altLang="zh-CN" dirty="0"/>
+              <a:t>the solution is designed to use cloud resources as much as possible, GitHub is selected as Git server, so that no local Git server is </a:t>
+            </a:r>
+            <a:r>
               <a:rPr lang="en-US" altLang="zh-CN" dirty="0" smtClean="0"/>
-              <a:t>In most cases, Jenkins can be selected as substitution for each building or testing, or all functions, however, for testing a lot of physical devices with different OS version or different excessive emulators are needed.</a:t>
-            </a:r>
+              <a:t>needed</a:t>
+            </a:r>
+            <a:endParaRPr lang="en-US" altLang="zh-CN" dirty="0" smtClean="0"/>
           </a:p>
         </p:txBody>
       </p:sp>
     </p:spTree>
     <p:extLst>
       <p:ext uri="{BB962C8B-B14F-4D97-AF65-F5344CB8AC3E}">
-        <p14:creationId xmlns:p14="http://schemas.microsoft.com/office/powerpoint/2010/main" val="2200505981"/>
+        <p14:creationId xmlns:p14="http://schemas.microsoft.com/office/powerpoint/2010/main" val="877787673"/>
       </p:ext>
     </p:extLst>
   </p:cSld>
@@ -5409,7 +5866,6 @@
               <a:rPr lang="en-US" altLang="de-DE" dirty="0" smtClean="0"/>
               <a:t>Conclusion</a:t>
             </a:r>
-            <a:endParaRPr lang="en-US" altLang="de-DE" dirty="0" smtClean="0"/>
           </a:p>
         </p:txBody>
       </p:sp>
@@ -5434,8 +5890,12 @@
           <a:lstStyle/>
           <a:p>
             <a:r>
+              <a:rPr lang="en-US" altLang="de-DE" dirty="0"/>
+              <a:t>Visual Studio App Center is a powerful tool that particularly suitable for cross-platform app </a:t>
+            </a:r>
+            <a:r>
               <a:rPr lang="en-US" altLang="de-DE" dirty="0" smtClean="0"/>
-              <a:t>Tools and Techniques used in the solution</a:t>
+              <a:t>development with Xamarin</a:t>
             </a:r>
             <a:endParaRPr lang="en-US" altLang="de-DE" dirty="0"/>
           </a:p>
@@ -5447,7 +5907,15 @@
             </a:pPr>
             <a:r>
               <a:rPr lang="en-US" altLang="zh-CN" dirty="0" smtClean="0"/>
-              <a:t>Git and GitHub, Git Shell</a:t>
+              <a:t>It </a:t>
+            </a:r>
+            <a:r>
+              <a:rPr lang="en-US" altLang="zh-CN" dirty="0"/>
+              <a:t>offers project build in different </a:t>
+            </a:r>
+            <a:r>
+              <a:rPr lang="en-US" altLang="zh-CN" dirty="0" smtClean="0"/>
+              <a:t>platforms</a:t>
             </a:r>
           </a:p>
           <a:p>
@@ -5458,15 +5926,15 @@
             </a:pPr>
             <a:r>
               <a:rPr lang="en-US" altLang="zh-CN" dirty="0" smtClean="0"/>
-              <a:t>C#, Xamarin, Visual Studio, </a:t>
-            </a:r>
-            <a:r>
-              <a:rPr lang="en-US" altLang="zh-CN" dirty="0" err="1" smtClean="0"/>
-              <a:t>Xamarin.UITest</a:t>
+              <a:t>It supports </a:t>
+            </a:r>
+            <a:r>
+              <a:rPr lang="en-US" altLang="zh-CN" dirty="0"/>
+              <a:t>app tests with an enormous device </a:t>
             </a:r>
             <a:r>
               <a:rPr lang="en-US" altLang="zh-CN" dirty="0" smtClean="0"/>
-              <a:t> framework</a:t>
+              <a:t>farm</a:t>
             </a:r>
           </a:p>
           <a:p>
@@ -5477,15 +5945,21 @@
             </a:pPr>
             <a:r>
               <a:rPr lang="en-US" altLang="zh-CN" dirty="0" smtClean="0"/>
-              <a:t>Visual Studio App Center, App </a:t>
+              <a:t>It </a:t>
             </a:r>
             <a:r>
               <a:rPr lang="en-US" altLang="zh-CN" dirty="0"/>
-              <a:t>Center Command Line </a:t>
+              <a:t>offers interfaces for the management of app lifetime</a:t>
+            </a:r>
+          </a:p>
+          <a:p>
+            <a:r>
+              <a:rPr lang="en-US" altLang="zh-CN" dirty="0"/>
+              <a:t>The total price for using App Center as build and test platform is basically $139 per </a:t>
             </a:r>
             <a:r>
               <a:rPr lang="en-US" altLang="zh-CN" dirty="0" smtClean="0"/>
-              <a:t>Interface with Node.js, Linux Shell for build scripts</a:t>
+              <a:t>month, which includes:</a:t>
             </a:r>
           </a:p>
           <a:p>
@@ -5496,15 +5970,15 @@
             </a:pPr>
             <a:r>
               <a:rPr lang="en-US" altLang="zh-CN" dirty="0" smtClean="0"/>
-              <a:t>Java JDK to generate </a:t>
-            </a:r>
-            <a:r>
-              <a:rPr lang="en-US" altLang="zh-CN" dirty="0" err="1" smtClean="0"/>
-              <a:t>keystore</a:t>
+              <a:t>$40 </a:t>
+            </a:r>
+            <a:r>
+              <a:rPr lang="en-US" altLang="zh-CN" dirty="0"/>
+              <a:t>per </a:t>
             </a:r>
             <a:r>
               <a:rPr lang="en-US" altLang="zh-CN" dirty="0" smtClean="0"/>
-              <a:t> file for Android app</a:t>
+              <a:t>month for unlimited build time (free for 400 hours)</a:t>
             </a:r>
           </a:p>
           <a:p>
@@ -5515,16 +5989,23 @@
             </a:pPr>
             <a:r>
               <a:rPr lang="en-US" altLang="zh-CN" dirty="0" smtClean="0"/>
-              <a:t>Markdown as document language</a:t>
-            </a:r>
-            <a:endParaRPr lang="en-US" altLang="zh-CN" dirty="0"/>
+              <a:t>$99 </a:t>
+            </a:r>
+            <a:r>
+              <a:rPr lang="en-US" altLang="zh-CN" dirty="0"/>
+              <a:t>per </a:t>
+            </a:r>
+            <a:r>
+              <a:rPr lang="en-US" altLang="zh-CN" dirty="0" smtClean="0"/>
+              <a:t>month for unlimited tests</a:t>
+            </a:r>
           </a:p>
         </p:txBody>
       </p:sp>
     </p:spTree>
     <p:extLst>
       <p:ext uri="{BB962C8B-B14F-4D97-AF65-F5344CB8AC3E}">
-        <p14:creationId xmlns:p14="http://schemas.microsoft.com/office/powerpoint/2010/main" val="4240951066"/>
+        <p14:creationId xmlns:p14="http://schemas.microsoft.com/office/powerpoint/2010/main" val="3023044749"/>
       </p:ext>
     </p:extLst>
   </p:cSld>
@@ -5560,70 +6041,124 @@
       </p:grpSpPr>
       <p:sp>
         <p:nvSpPr>
-          <p:cNvPr id="2" name="页脚占位符 1"/>
-          <p:cNvSpPr>
-            <a:spLocks noGrp="1"/>
+          <p:cNvPr id="4" name="Rectangle 5"/>
+          <p:cNvSpPr>
+            <a:spLocks noGrp="1" noChangeArrowheads="1"/>
           </p:cNvSpPr>
           <p:nvPr>
             <p:ph type="ftr" sz="quarter" idx="10"/>
           </p:nvPr>
         </p:nvSpPr>
-        <p:spPr/>
+        <p:spPr>
+          <a:ln/>
+        </p:spPr>
         <p:txBody>
           <a:bodyPr/>
           <a:lstStyle/>
           <a:p>
             <a:r>
-              <a:rPr lang="de-DE" altLang="de-DE" dirty="0" smtClean="0"/>
-              <a:t>Peiren </a:t>
-            </a:r>
-            <a:r>
-              <a:rPr lang="de-DE" altLang="de-DE" dirty="0" smtClean="0"/>
-              <a:t>Yang</a:t>
-            </a:r>
-            <a:endParaRPr lang="de-DE" dirty="0"/>
-          </a:p>
-        </p:txBody>
-      </p:sp>
-      <p:sp>
-        <p:nvSpPr>
-          <p:cNvPr id="3" name="文本框 2"/>
-          <p:cNvSpPr txBox="1"/>
-          <p:nvPr/>
+              <a:rPr lang="de-DE" altLang="de-DE" dirty="0"/>
+              <a:t>Peiren Yang</a:t>
+            </a:r>
+          </a:p>
+        </p:txBody>
+      </p:sp>
+      <p:sp>
+        <p:nvSpPr>
+          <p:cNvPr id="6149" name="Rectangle 2"/>
+          <p:cNvSpPr>
+            <a:spLocks noGrp="1" noChangeArrowheads="1"/>
+          </p:cNvSpPr>
+          <p:nvPr>
+            <p:ph type="title"/>
+          </p:nvPr>
+        </p:nvSpPr>
+        <p:spPr/>
+        <p:txBody>
+          <a:bodyPr/>
+          <a:lstStyle/>
+          <a:p>
+            <a:r>
+              <a:rPr lang="en-US" altLang="de-DE" dirty="0" smtClean="0"/>
+              <a:t>Conclusion </a:t>
+            </a:r>
+          </a:p>
+        </p:txBody>
+      </p:sp>
+      <p:sp>
+        <p:nvSpPr>
+          <p:cNvPr id="6150" name="Rectangle 3"/>
+          <p:cNvSpPr>
+            <a:spLocks noGrp="1" noChangeArrowheads="1"/>
+          </p:cNvSpPr>
+          <p:nvPr>
+            <p:ph type="body" idx="1"/>
+          </p:nvPr>
         </p:nvSpPr>
         <p:spPr>
           <a:xfrm>
-            <a:off x="1835696" y="2753052"/>
-            <a:ext cx="5544616" cy="1107996"/>
+            <a:off x="392113" y="1559074"/>
+            <a:ext cx="8356600" cy="4894262"/>
           </a:xfrm>
-          <a:prstGeom prst="rect">
-            <a:avLst/>
-          </a:prstGeom>
-          <a:noFill/>
-        </p:spPr>
-        <p:txBody>
-          <a:bodyPr wrap="square" rtlCol="0">
-            <a:spAutoFit/>
-          </a:bodyPr>
+        </p:spPr>
+        <p:txBody>
+          <a:bodyPr/>
           <a:lstStyle/>
           <a:p>
-            <a:pPr algn="ctr"/>
-            <a:r>
-              <a:rPr lang="en-US" altLang="zh-CN" sz="6600" dirty="0" smtClean="0">
-                <a:latin typeface="+mj-lt"/>
-              </a:rPr>
-              <a:t>Q &amp; A</a:t>
-            </a:r>
-            <a:endParaRPr lang="zh-CN" altLang="en-US" sz="6600" dirty="0">
-              <a:latin typeface="+mj-lt"/>
-            </a:endParaRPr>
+            <a:r>
+              <a:rPr lang="en-US" altLang="de-DE" dirty="0" smtClean="0"/>
+              <a:t>Disadvantage of using Visual Studio App Center</a:t>
+            </a:r>
+          </a:p>
+          <a:p>
+            <a:pPr lvl="1">
+              <a:lnSpc>
+                <a:spcPct val="150000"/>
+              </a:lnSpc>
+            </a:pPr>
+            <a:r>
+              <a:rPr lang="en-US" altLang="zh-CN" dirty="0" smtClean="0"/>
+              <a:t>The </a:t>
+            </a:r>
+            <a:r>
+              <a:rPr lang="en-US" altLang="zh-CN" dirty="0"/>
+              <a:t>job customization is not quite flexible, only three scripts can be configured and they must be executed </a:t>
+            </a:r>
+            <a:r>
+              <a:rPr lang="en-US" altLang="zh-CN" dirty="0" smtClean="0"/>
+              <a:t>consecutively</a:t>
+            </a:r>
+          </a:p>
+          <a:p>
+            <a:pPr lvl="1">
+              <a:lnSpc>
+                <a:spcPct val="150000"/>
+              </a:lnSpc>
+            </a:pPr>
+            <a:r>
+              <a:rPr lang="en-US" altLang="zh-CN" dirty="0" smtClean="0"/>
+              <a:t>App </a:t>
+            </a:r>
+            <a:r>
+              <a:rPr lang="en-US" altLang="zh-CN" dirty="0"/>
+              <a:t>Center is a new product of Microsoft, until now not all claimed features are </a:t>
+            </a:r>
+            <a:r>
+              <a:rPr lang="en-US" altLang="zh-CN" dirty="0" smtClean="0"/>
+              <a:t>available, some features are still on the way. And this have made a lot of difficulties in developing the solution</a:t>
+            </a:r>
+            <a:r>
+              <a:rPr lang="en-US" altLang="zh-CN" dirty="0" smtClean="0"/>
+              <a:t>.</a:t>
+            </a:r>
+            <a:endParaRPr lang="en-US" altLang="zh-CN" dirty="0" smtClean="0"/>
           </a:p>
         </p:txBody>
       </p:sp>
     </p:spTree>
     <p:extLst>
       <p:ext uri="{BB962C8B-B14F-4D97-AF65-F5344CB8AC3E}">
-        <p14:creationId xmlns:p14="http://schemas.microsoft.com/office/powerpoint/2010/main" val="54713501"/>
+        <p14:creationId xmlns:p14="http://schemas.microsoft.com/office/powerpoint/2010/main" val="2200505981"/>
       </p:ext>
     </p:extLst>
   </p:cSld>
@@ -5659,26 +6194,220 @@
       </p:grpSpPr>
       <p:sp>
         <p:nvSpPr>
-          <p:cNvPr id="2" name="页脚占位符 1"/>
-          <p:cNvSpPr>
-            <a:spLocks noGrp="1"/>
+          <p:cNvPr id="4" name="Rectangle 5"/>
+          <p:cNvSpPr>
+            <a:spLocks noGrp="1" noChangeArrowheads="1"/>
           </p:cNvSpPr>
           <p:nvPr>
             <p:ph type="ftr" sz="quarter" idx="10"/>
           </p:nvPr>
         </p:nvSpPr>
-        <p:spPr/>
+        <p:spPr>
+          <a:ln/>
+        </p:spPr>
         <p:txBody>
           <a:bodyPr/>
           <a:lstStyle/>
           <a:p>
             <a:r>
+              <a:rPr lang="de-DE" altLang="de-DE" dirty="0"/>
+              <a:t>Peiren Yang</a:t>
+            </a:r>
+          </a:p>
+        </p:txBody>
+      </p:sp>
+      <p:sp>
+        <p:nvSpPr>
+          <p:cNvPr id="6149" name="Rectangle 2"/>
+          <p:cNvSpPr>
+            <a:spLocks noGrp="1" noChangeArrowheads="1"/>
+          </p:cNvSpPr>
+          <p:nvPr>
+            <p:ph type="title"/>
+          </p:nvPr>
+        </p:nvSpPr>
+        <p:spPr/>
+        <p:txBody>
+          <a:bodyPr/>
+          <a:lstStyle/>
+          <a:p>
+            <a:r>
+              <a:rPr lang="en-US" altLang="zh-CN" dirty="0" smtClean="0"/>
+              <a:t>Alternative</a:t>
+            </a:r>
+            <a:r>
+              <a:rPr lang="de-DE" altLang="zh-CN" dirty="0" smtClean="0"/>
+              <a:t> </a:t>
+            </a:r>
+            <a:r>
+              <a:rPr lang="en-US" altLang="zh-CN" dirty="0"/>
+              <a:t>solution</a:t>
+            </a:r>
+            <a:endParaRPr lang="en-US" altLang="de-DE" dirty="0" smtClean="0"/>
+          </a:p>
+        </p:txBody>
+      </p:sp>
+      <p:sp>
+        <p:nvSpPr>
+          <p:cNvPr id="6150" name="Rectangle 3"/>
+          <p:cNvSpPr>
+            <a:spLocks noGrp="1" noChangeArrowheads="1"/>
+          </p:cNvSpPr>
+          <p:nvPr>
+            <p:ph type="body" idx="1"/>
+          </p:nvPr>
+        </p:nvSpPr>
+        <p:spPr>
+          <a:xfrm>
+            <a:off x="392113" y="1124744"/>
+            <a:ext cx="8356600" cy="4894262"/>
+          </a:xfrm>
+        </p:spPr>
+        <p:txBody>
+          <a:bodyPr/>
+          <a:lstStyle/>
+          <a:p>
+            <a:pPr>
+              <a:lnSpc>
+                <a:spcPct val="150000"/>
+              </a:lnSpc>
+              <a:spcBef>
+                <a:spcPts val="0"/>
+              </a:spcBef>
+            </a:pPr>
+            <a:r>
+              <a:rPr lang="en-US" altLang="zh-CN" dirty="0"/>
+              <a:t>Jenkins </a:t>
+            </a:r>
+            <a:r>
+              <a:rPr lang="en-US" altLang="zh-CN" dirty="0" smtClean="0"/>
+              <a:t>as an a</a:t>
+            </a:r>
+            <a:r>
+              <a:rPr lang="en-US" altLang="zh-CN" dirty="0" smtClean="0"/>
+              <a:t>lternative</a:t>
+            </a:r>
+            <a:r>
+              <a:rPr lang="de-DE" altLang="zh-CN" dirty="0" smtClean="0"/>
+              <a:t> </a:t>
+            </a:r>
+            <a:r>
+              <a:rPr lang="en-US" altLang="zh-CN" dirty="0" smtClean="0"/>
+              <a:t>solution</a:t>
+            </a:r>
+            <a:endParaRPr lang="en-US" altLang="zh-CN" dirty="0" smtClean="0"/>
+          </a:p>
+          <a:p>
+            <a:pPr lvl="1">
+              <a:lnSpc>
+                <a:spcPct val="150000"/>
+              </a:lnSpc>
+            </a:pPr>
+            <a:r>
+              <a:rPr lang="en-US" altLang="zh-CN" dirty="0" smtClean="0"/>
+              <a:t>In most cases, Jenkins can be selected as substitution for each building or testing, or all </a:t>
+            </a:r>
+            <a:r>
+              <a:rPr lang="en-US" altLang="zh-CN" dirty="0" smtClean="0"/>
+              <a:t>functions above. </a:t>
+            </a:r>
+          </a:p>
+          <a:p>
+            <a:pPr lvl="1">
+              <a:lnSpc>
+                <a:spcPct val="150000"/>
+              </a:lnSpc>
+            </a:pPr>
+            <a:r>
+              <a:rPr lang="en-US" altLang="zh-CN" dirty="0" smtClean="0"/>
+              <a:t>H</a:t>
+            </a:r>
+            <a:r>
+              <a:rPr lang="en-US" altLang="zh-CN" dirty="0" smtClean="0"/>
+              <a:t>owever</a:t>
+            </a:r>
+            <a:r>
+              <a:rPr lang="en-US" altLang="zh-CN" dirty="0" smtClean="0"/>
+              <a:t>, for testing a lot of physical devices with different OS version or different excessive emulators are </a:t>
+            </a:r>
+            <a:r>
+              <a:rPr lang="en-US" altLang="zh-CN" dirty="0" smtClean="0"/>
+              <a:t>needed, </a:t>
+            </a:r>
+            <a:r>
+              <a:rPr lang="en-US" altLang="zh-CN" dirty="0" smtClean="0"/>
+              <a:t>the device farm in App Center shows its advantage here.</a:t>
+            </a:r>
+          </a:p>
+          <a:p>
+            <a:pPr lvl="1">
+              <a:lnSpc>
+                <a:spcPct val="150000"/>
+              </a:lnSpc>
+            </a:pPr>
+            <a:r>
+              <a:rPr lang="en-US" altLang="zh-CN" dirty="0" smtClean="0"/>
+              <a:t>A combination of the two solution is possible, in which Jenkins makes the automatic building and unit tests, then pass them to the App Center for UI testing.</a:t>
+            </a:r>
+            <a:endParaRPr lang="en-US" altLang="zh-CN" dirty="0" smtClean="0"/>
+          </a:p>
+        </p:txBody>
+      </p:sp>
+    </p:spTree>
+    <p:extLst>
+      <p:ext uri="{BB962C8B-B14F-4D97-AF65-F5344CB8AC3E}">
+        <p14:creationId xmlns:p14="http://schemas.microsoft.com/office/powerpoint/2010/main" val="1959769909"/>
+      </p:ext>
+    </p:extLst>
+  </p:cSld>
+  <p:clrMapOvr>
+    <a:masterClrMapping/>
+  </p:clrMapOvr>
+  <p:timing>
+    <p:tnLst>
+      <p:par>
+        <p:cTn id="1" dur="indefinite" restart="never" nodeType="tmRoot"/>
+      </p:par>
+    </p:tnLst>
+  </p:timing>
+</p:sld>
+</file>
+
+<file path=ppt/slides/slide19.xml><?xml version="1.0" encoding="utf-8"?>
+<p:sld xmlns:a="http://schemas.openxmlformats.org/drawingml/2006/main" xmlns:r="http://schemas.openxmlformats.org/officeDocument/2006/relationships" xmlns:p="http://schemas.openxmlformats.org/presentationml/2006/main">
+  <p:cSld>
+    <p:spTree>
+      <p:nvGrpSpPr>
+        <p:cNvPr id="1" name=""/>
+        <p:cNvGrpSpPr/>
+        <p:nvPr/>
+      </p:nvGrpSpPr>
+      <p:grpSpPr>
+        <a:xfrm>
+          <a:off x="0" y="0"/>
+          <a:ext cx="0" cy="0"/>
+          <a:chOff x="0" y="0"/>
+          <a:chExt cx="0" cy="0"/>
+        </a:xfrm>
+      </p:grpSpPr>
+      <p:sp>
+        <p:nvSpPr>
+          <p:cNvPr id="2" name="页脚占位符 1"/>
+          <p:cNvSpPr>
+            <a:spLocks noGrp="1"/>
+          </p:cNvSpPr>
+          <p:nvPr>
+            <p:ph type="ftr" sz="quarter" idx="10"/>
+          </p:nvPr>
+        </p:nvSpPr>
+        <p:spPr/>
+        <p:txBody>
+          <a:bodyPr/>
+          <a:lstStyle/>
+          <a:p>
+            <a:r>
               <a:rPr lang="de-DE" altLang="de-DE" dirty="0" smtClean="0"/>
-              <a:t>Peiren </a:t>
-            </a:r>
-            <a:r>
-              <a:rPr lang="de-DE" altLang="de-DE" dirty="0" smtClean="0"/>
-              <a:t>Yang</a:t>
+              <a:t>Peiren Yang</a:t>
             </a:r>
             <a:endParaRPr lang="de-DE" dirty="0"/>
           </a:p>
@@ -5692,8 +6421,8 @@
         </p:nvSpPr>
         <p:spPr>
           <a:xfrm>
-            <a:off x="467544" y="2708920"/>
-            <a:ext cx="8352928" cy="923330"/>
+            <a:off x="1763688" y="2753052"/>
+            <a:ext cx="5544616" cy="1107996"/>
           </a:xfrm>
           <a:prstGeom prst="rect">
             <a:avLst/>
@@ -5708,12 +6437,12 @@
           <a:p>
             <a:pPr algn="ctr"/>
             <a:r>
-              <a:rPr lang="en-US" altLang="zh-CN" sz="5400" dirty="0" smtClean="0">
+              <a:rPr lang="en-US" altLang="zh-CN" sz="6600" dirty="0" smtClean="0">
                 <a:latin typeface="+mj-lt"/>
               </a:rPr>
-              <a:t>Thanks for your attention!</a:t>
-            </a:r>
-            <a:endParaRPr lang="zh-CN" altLang="en-US" sz="5400" dirty="0">
+              <a:t>Q &amp; A</a:t>
+            </a:r>
+            <a:endParaRPr lang="zh-CN" altLang="en-US" sz="6600" dirty="0">
               <a:latin typeface="+mj-lt"/>
             </a:endParaRPr>
           </a:p>
@@ -5722,7 +6451,7 @@
     </p:spTree>
     <p:extLst>
       <p:ext uri="{BB962C8B-B14F-4D97-AF65-F5344CB8AC3E}">
-        <p14:creationId xmlns:p14="http://schemas.microsoft.com/office/powerpoint/2010/main" val="916011230"/>
+        <p14:creationId xmlns:p14="http://schemas.microsoft.com/office/powerpoint/2010/main" val="54713501"/>
       </p:ext>
     </p:extLst>
   </p:cSld>
@@ -5798,17 +6527,8 @@
             <a:pPr eaLnBrk="1" hangingPunct="1"/>
             <a:r>
               <a:rPr lang="de-DE" altLang="de-DE" dirty="0" smtClean="0"/>
-              <a:t>Project </a:t>
-            </a:r>
-            <a:r>
-              <a:rPr lang="de-DE" altLang="de-DE" dirty="0" smtClean="0"/>
-              <a:t>T</a:t>
-            </a:r>
-            <a:r>
-              <a:rPr lang="de-DE" altLang="de-DE" dirty="0" smtClean="0"/>
-              <a:t>arget</a:t>
-            </a:r>
-            <a:endParaRPr lang="de-DE" altLang="de-DE" dirty="0" smtClean="0"/>
+              <a:t>Project Target</a:t>
+            </a:r>
           </a:p>
         </p:txBody>
       </p:sp>
@@ -5846,8 +6566,13 @@
             </a:pPr>
             <a:r>
               <a:rPr lang="en-US" altLang="de-DE" dirty="0" smtClean="0"/>
-              <a:t>Cross-platform app, one set of code generates at least 3 different applications for Android, iOS and Windows.</a:t>
-            </a:r>
+              <a:t>Cross-platform app, one set of code generates at least 3 different applications for Android, iOS and </a:t>
+            </a:r>
+            <a:r>
+              <a:rPr lang="en-US" altLang="de-DE" dirty="0" smtClean="0"/>
+              <a:t>Windows respectively.</a:t>
+            </a:r>
+            <a:endParaRPr lang="en-US" altLang="de-DE" dirty="0" smtClean="0"/>
           </a:p>
           <a:p>
             <a:pPr lvl="1">
@@ -5857,7 +6582,15 @@
             </a:pPr>
             <a:r>
               <a:rPr lang="en-US" altLang="de-DE" dirty="0" smtClean="0"/>
-              <a:t>Source Control, which allows version control and teamwork</a:t>
+              <a:t>Source </a:t>
+            </a:r>
+            <a:r>
+              <a:rPr lang="en-US" altLang="de-DE" dirty="0" smtClean="0"/>
+              <a:t>control</a:t>
+            </a:r>
+            <a:r>
+              <a:rPr lang="en-US" altLang="de-DE" dirty="0" smtClean="0"/>
+              <a:t>, which allows version control and teamwork</a:t>
             </a:r>
           </a:p>
           <a:p>
@@ -5868,8 +6601,21 @@
             </a:pPr>
             <a:r>
               <a:rPr lang="en-US" altLang="de-DE" dirty="0" smtClean="0"/>
-              <a:t>Automatic Build</a:t>
-            </a:r>
+              <a:t>Automatic </a:t>
+            </a:r>
+            <a:r>
+              <a:rPr lang="en-US" altLang="zh-CN" dirty="0" smtClean="0"/>
+              <a:t>compilation</a:t>
+            </a:r>
+            <a:r>
+              <a:rPr lang="de-DE" altLang="zh-CN" dirty="0" smtClean="0"/>
+              <a:t> </a:t>
+            </a:r>
+            <a:r>
+              <a:rPr lang="en-US" altLang="de-DE" dirty="0" smtClean="0"/>
+              <a:t>and building</a:t>
+            </a:r>
+            <a:endParaRPr lang="en-US" altLang="de-DE" dirty="0" smtClean="0"/>
           </a:p>
           <a:p>
             <a:pPr lvl="1">
@@ -5879,8 +6625,13 @@
             </a:pPr>
             <a:r>
               <a:rPr lang="en-US" altLang="de-DE" dirty="0" smtClean="0"/>
-              <a:t>Automatic Test</a:t>
-            </a:r>
+              <a:t>Automatic </a:t>
+            </a:r>
+            <a:r>
+              <a:rPr lang="en-US" altLang="de-DE" dirty="0" smtClean="0"/>
+              <a:t>testing</a:t>
+            </a:r>
+            <a:endParaRPr lang="en-US" altLang="de-DE" dirty="0" smtClean="0"/>
           </a:p>
           <a:p>
             <a:pPr lvl="1">
@@ -5890,24 +6641,13 @@
             </a:pPr>
             <a:r>
               <a:rPr lang="en-US" altLang="de-DE" dirty="0" smtClean="0"/>
-              <a:t>Release and Deployment management in relation to different app Stores</a:t>
+              <a:t>Release and Deployment management in relation to different app </a:t>
+            </a:r>
+            <a:r>
+              <a:rPr lang="en-US" altLang="de-DE" dirty="0" smtClean="0"/>
+              <a:t>stores (Google Play, Apple App Store etc.)</a:t>
             </a:r>
             <a:endParaRPr lang="en-US" altLang="de-DE" dirty="0" smtClean="0"/>
-          </a:p>
-          <a:p>
-            <a:pPr lvl="1"/>
-            <a:endParaRPr lang="en-US" altLang="de-DE" dirty="0" smtClean="0"/>
-          </a:p>
-          <a:p>
-            <a:pPr eaLnBrk="1" hangingPunct="1">
-              <a:buFontTx/>
-              <a:buNone/>
-            </a:pPr>
-            <a:endParaRPr lang="en-US" altLang="de-DE" dirty="0" smtClean="0"/>
-          </a:p>
-          <a:p>
-            <a:pPr eaLnBrk="1" hangingPunct="1"/>
-            <a:endParaRPr lang="de-DE" altLang="de-DE" dirty="0" smtClean="0"/>
           </a:p>
         </p:txBody>
       </p:sp>
@@ -5915,6 +6655,525 @@
     <p:extLst>
       <p:ext uri="{BB962C8B-B14F-4D97-AF65-F5344CB8AC3E}">
         <p14:creationId xmlns:p14="http://schemas.microsoft.com/office/powerpoint/2010/main" val="1705147001"/>
+      </p:ext>
+    </p:extLst>
+  </p:cSld>
+  <p:clrMapOvr>
+    <a:masterClrMapping/>
+  </p:clrMapOvr>
+  <p:timing>
+    <p:tnLst>
+      <p:par>
+        <p:cTn id="1" dur="indefinite" restart="never" nodeType="tmRoot"/>
+      </p:par>
+    </p:tnLst>
+  </p:timing>
+</p:sld>
+</file>
+
+<file path=ppt/slides/slide20.xml><?xml version="1.0" encoding="utf-8"?>
+<p:sld xmlns:a="http://schemas.openxmlformats.org/drawingml/2006/main" xmlns:r="http://schemas.openxmlformats.org/officeDocument/2006/relationships" xmlns:p="http://schemas.openxmlformats.org/presentationml/2006/main">
+  <p:cSld>
+    <p:spTree>
+      <p:nvGrpSpPr>
+        <p:cNvPr id="1" name=""/>
+        <p:cNvGrpSpPr/>
+        <p:nvPr/>
+      </p:nvGrpSpPr>
+      <p:grpSpPr>
+        <a:xfrm>
+          <a:off x="0" y="0"/>
+          <a:ext cx="0" cy="0"/>
+          <a:chOff x="0" y="0"/>
+          <a:chExt cx="0" cy="0"/>
+        </a:xfrm>
+      </p:grpSpPr>
+      <p:sp>
+        <p:nvSpPr>
+          <p:cNvPr id="2" name="页脚占位符 1"/>
+          <p:cNvSpPr>
+            <a:spLocks noGrp="1"/>
+          </p:cNvSpPr>
+          <p:nvPr>
+            <p:ph type="ftr" sz="quarter" idx="10"/>
+          </p:nvPr>
+        </p:nvSpPr>
+        <p:spPr/>
+        <p:txBody>
+          <a:bodyPr/>
+          <a:lstStyle/>
+          <a:p>
+            <a:r>
+              <a:rPr lang="de-DE" altLang="de-DE" dirty="0" smtClean="0"/>
+              <a:t>Peiren Yang</a:t>
+            </a:r>
+            <a:endParaRPr lang="de-DE" dirty="0"/>
+          </a:p>
+        </p:txBody>
+      </p:sp>
+      <p:sp>
+        <p:nvSpPr>
+          <p:cNvPr id="3" name="文本框 2"/>
+          <p:cNvSpPr txBox="1"/>
+          <p:nvPr/>
+        </p:nvSpPr>
+        <p:spPr>
+          <a:xfrm>
+            <a:off x="467544" y="2708920"/>
+            <a:ext cx="8352928" cy="923330"/>
+          </a:xfrm>
+          <a:prstGeom prst="rect">
+            <a:avLst/>
+          </a:prstGeom>
+          <a:noFill/>
+        </p:spPr>
+        <p:txBody>
+          <a:bodyPr wrap="square" rtlCol="0">
+            <a:spAutoFit/>
+          </a:bodyPr>
+          <a:lstStyle/>
+          <a:p>
+            <a:pPr algn="ctr"/>
+            <a:r>
+              <a:rPr lang="en-US" altLang="zh-CN" sz="5400" dirty="0" smtClean="0">
+                <a:latin typeface="+mj-lt"/>
+              </a:rPr>
+              <a:t>Thanks for your attention!</a:t>
+            </a:r>
+            <a:endParaRPr lang="zh-CN" altLang="en-US" sz="5400" dirty="0">
+              <a:latin typeface="+mj-lt"/>
+            </a:endParaRPr>
+          </a:p>
+        </p:txBody>
+      </p:sp>
+    </p:spTree>
+    <p:extLst>
+      <p:ext uri="{BB962C8B-B14F-4D97-AF65-F5344CB8AC3E}">
+        <p14:creationId xmlns:p14="http://schemas.microsoft.com/office/powerpoint/2010/main" val="916011230"/>
+      </p:ext>
+    </p:extLst>
+  </p:cSld>
+  <p:clrMapOvr>
+    <a:masterClrMapping/>
+  </p:clrMapOvr>
+  <p:timing>
+    <p:tnLst>
+      <p:par>
+        <p:cTn id="1" dur="indefinite" restart="never" nodeType="tmRoot"/>
+      </p:par>
+    </p:tnLst>
+  </p:timing>
+</p:sld>
+</file>
+
+<file path=ppt/slides/slide21.xml><?xml version="1.0" encoding="utf-8"?>
+<p:sld xmlns:a="http://schemas.openxmlformats.org/drawingml/2006/main" xmlns:r="http://schemas.openxmlformats.org/officeDocument/2006/relationships" xmlns:p="http://schemas.openxmlformats.org/presentationml/2006/main">
+  <p:cSld>
+    <p:spTree>
+      <p:nvGrpSpPr>
+        <p:cNvPr id="1" name=""/>
+        <p:cNvGrpSpPr/>
+        <p:nvPr/>
+      </p:nvGrpSpPr>
+      <p:grpSpPr>
+        <a:xfrm>
+          <a:off x="0" y="0"/>
+          <a:ext cx="0" cy="0"/>
+          <a:chOff x="0" y="0"/>
+          <a:chExt cx="0" cy="0"/>
+        </a:xfrm>
+      </p:grpSpPr>
+      <p:sp>
+        <p:nvSpPr>
+          <p:cNvPr id="4" name="Rectangle 5"/>
+          <p:cNvSpPr>
+            <a:spLocks noGrp="1" noChangeArrowheads="1"/>
+          </p:cNvSpPr>
+          <p:nvPr>
+            <p:ph type="ftr" sz="quarter" idx="10"/>
+          </p:nvPr>
+        </p:nvSpPr>
+        <p:spPr>
+          <a:ln/>
+        </p:spPr>
+        <p:txBody>
+          <a:bodyPr/>
+          <a:lstStyle/>
+          <a:p>
+            <a:r>
+              <a:rPr lang="de-DE" altLang="de-DE" dirty="0"/>
+              <a:t>Peiren Yang</a:t>
+            </a:r>
+          </a:p>
+        </p:txBody>
+      </p:sp>
+      <p:sp>
+        <p:nvSpPr>
+          <p:cNvPr id="6149" name="Rectangle 2"/>
+          <p:cNvSpPr>
+            <a:spLocks noGrp="1" noChangeArrowheads="1"/>
+          </p:cNvSpPr>
+          <p:nvPr>
+            <p:ph type="title"/>
+          </p:nvPr>
+        </p:nvSpPr>
+        <p:spPr>
+          <a:xfrm>
+            <a:off x="392114" y="332656"/>
+            <a:ext cx="7065218" cy="1296144"/>
+          </a:xfrm>
+        </p:spPr>
+        <p:txBody>
+          <a:bodyPr/>
+          <a:lstStyle/>
+          <a:p>
+            <a:r>
+              <a:rPr lang="en-US" altLang="de-DE" dirty="0"/>
+              <a:t>Appendix –</a:t>
+            </a:r>
+            <a:r>
+              <a:rPr lang="en-US" altLang="de-DE" dirty="0" smtClean="0"/>
+              <a:t> </a:t>
+            </a:r>
+            <a:r>
+              <a:rPr lang="en-US" altLang="de-DE" dirty="0"/>
+              <a:t>Tools and Techniques used in the solution</a:t>
+            </a:r>
+            <a:br>
+              <a:rPr lang="en-US" altLang="de-DE" dirty="0"/>
+            </a:br>
+            <a:endParaRPr lang="en-US" altLang="de-DE" dirty="0" smtClean="0"/>
+          </a:p>
+        </p:txBody>
+      </p:sp>
+      <p:sp>
+        <p:nvSpPr>
+          <p:cNvPr id="6150" name="Rectangle 3"/>
+          <p:cNvSpPr>
+            <a:spLocks noGrp="1" noChangeArrowheads="1"/>
+          </p:cNvSpPr>
+          <p:nvPr>
+            <p:ph type="body" idx="1"/>
+          </p:nvPr>
+        </p:nvSpPr>
+        <p:spPr>
+          <a:xfrm>
+            <a:off x="392113" y="1559074"/>
+            <a:ext cx="8356600" cy="4894262"/>
+          </a:xfrm>
+        </p:spPr>
+        <p:txBody>
+          <a:bodyPr/>
+          <a:lstStyle/>
+          <a:p>
+            <a:r>
+              <a:rPr lang="en-US" altLang="de-DE" dirty="0" smtClean="0"/>
+              <a:t>Tools and Techniques used in the solution</a:t>
+            </a:r>
+            <a:endParaRPr lang="en-US" altLang="de-DE" dirty="0"/>
+          </a:p>
+          <a:p>
+            <a:pPr lvl="1">
+              <a:lnSpc>
+                <a:spcPct val="150000"/>
+              </a:lnSpc>
+            </a:pPr>
+            <a:r>
+              <a:rPr lang="en-US" altLang="zh-CN" dirty="0" smtClean="0"/>
+              <a:t>Git and GitHub, Git Shell</a:t>
+            </a:r>
+          </a:p>
+          <a:p>
+            <a:pPr lvl="1">
+              <a:lnSpc>
+                <a:spcPct val="150000"/>
+              </a:lnSpc>
+            </a:pPr>
+            <a:r>
+              <a:rPr lang="en-US" altLang="zh-CN" dirty="0" smtClean="0"/>
+              <a:t>C</a:t>
+            </a:r>
+            <a:r>
+              <a:rPr lang="en-US" altLang="zh-CN" dirty="0" smtClean="0"/>
+              <a:t># and XAML, </a:t>
+            </a:r>
+            <a:r>
+              <a:rPr lang="en-US" altLang="zh-CN" dirty="0" smtClean="0"/>
+              <a:t>Xamarin, Visual Studio, </a:t>
+            </a:r>
+            <a:r>
+              <a:rPr lang="en-US" altLang="zh-CN" dirty="0" err="1" smtClean="0"/>
+              <a:t>Xamarin.UITest</a:t>
+            </a:r>
+            <a:r>
+              <a:rPr lang="en-US" altLang="zh-CN" dirty="0" smtClean="0"/>
+              <a:t> </a:t>
+            </a:r>
+            <a:r>
+              <a:rPr lang="en-US" altLang="zh-CN" dirty="0" smtClean="0"/>
+              <a:t>framework (based on NUnit)</a:t>
+            </a:r>
+            <a:endParaRPr lang="en-US" altLang="zh-CN" dirty="0" smtClean="0"/>
+          </a:p>
+          <a:p>
+            <a:pPr lvl="1">
+              <a:lnSpc>
+                <a:spcPct val="150000"/>
+              </a:lnSpc>
+            </a:pPr>
+            <a:r>
+              <a:rPr lang="en-US" altLang="zh-CN" dirty="0" smtClean="0"/>
+              <a:t>Visual Studio App Center, App </a:t>
+            </a:r>
+            <a:r>
+              <a:rPr lang="en-US" altLang="zh-CN" dirty="0"/>
+              <a:t>Center Command Line </a:t>
+            </a:r>
+            <a:r>
+              <a:rPr lang="en-US" altLang="zh-CN" dirty="0" smtClean="0"/>
+              <a:t>Interface with Node.js, Linux Shell for build scripts</a:t>
+            </a:r>
+          </a:p>
+          <a:p>
+            <a:pPr lvl="1">
+              <a:lnSpc>
+                <a:spcPct val="150000"/>
+              </a:lnSpc>
+            </a:pPr>
+            <a:r>
+              <a:rPr lang="en-US" altLang="zh-CN" dirty="0" smtClean="0"/>
+              <a:t>Java JDK to generate </a:t>
+            </a:r>
+            <a:r>
+              <a:rPr lang="en-US" altLang="zh-CN" dirty="0" err="1" smtClean="0"/>
+              <a:t>keystore</a:t>
+            </a:r>
+            <a:r>
+              <a:rPr lang="en-US" altLang="zh-CN" dirty="0" smtClean="0"/>
+              <a:t> file for Android app</a:t>
+            </a:r>
+          </a:p>
+          <a:p>
+            <a:pPr lvl="1">
+              <a:lnSpc>
+                <a:spcPct val="150000"/>
+              </a:lnSpc>
+            </a:pPr>
+            <a:r>
+              <a:rPr lang="en-US" altLang="zh-CN" dirty="0" smtClean="0"/>
+              <a:t>Markdown as document language</a:t>
+            </a:r>
+            <a:endParaRPr lang="en-US" altLang="zh-CN" dirty="0"/>
+          </a:p>
+        </p:txBody>
+      </p:sp>
+    </p:spTree>
+    <p:extLst>
+      <p:ext uri="{BB962C8B-B14F-4D97-AF65-F5344CB8AC3E}">
+        <p14:creationId xmlns:p14="http://schemas.microsoft.com/office/powerpoint/2010/main" val="4240951066"/>
+      </p:ext>
+    </p:extLst>
+  </p:cSld>
+  <p:clrMapOvr>
+    <a:masterClrMapping/>
+  </p:clrMapOvr>
+  <p:timing>
+    <p:tnLst>
+      <p:par>
+        <p:cTn id="1" dur="indefinite" restart="never" nodeType="tmRoot"/>
+      </p:par>
+    </p:tnLst>
+  </p:timing>
+</p:sld>
+</file>
+
+<file path=ppt/slides/slide22.xml><?xml version="1.0" encoding="utf-8"?>
+<p:sld xmlns:a="http://schemas.openxmlformats.org/drawingml/2006/main" xmlns:r="http://schemas.openxmlformats.org/officeDocument/2006/relationships" xmlns:p="http://schemas.openxmlformats.org/presentationml/2006/main">
+  <p:cSld>
+    <p:spTree>
+      <p:nvGrpSpPr>
+        <p:cNvPr id="1" name=""/>
+        <p:cNvGrpSpPr/>
+        <p:nvPr/>
+      </p:nvGrpSpPr>
+      <p:grpSpPr>
+        <a:xfrm>
+          <a:off x="0" y="0"/>
+          <a:ext cx="0" cy="0"/>
+          <a:chOff x="0" y="0"/>
+          <a:chExt cx="0" cy="0"/>
+        </a:xfrm>
+      </p:grpSpPr>
+      <p:sp>
+        <p:nvSpPr>
+          <p:cNvPr id="4" name="Rectangle 5"/>
+          <p:cNvSpPr>
+            <a:spLocks noGrp="1" noChangeArrowheads="1"/>
+          </p:cNvSpPr>
+          <p:nvPr>
+            <p:ph type="ftr" sz="quarter" idx="10"/>
+          </p:nvPr>
+        </p:nvSpPr>
+        <p:spPr>
+          <a:ln/>
+        </p:spPr>
+        <p:txBody>
+          <a:bodyPr/>
+          <a:lstStyle/>
+          <a:p>
+            <a:r>
+              <a:rPr lang="de-DE" altLang="de-DE" dirty="0"/>
+              <a:t>Peiren Yang</a:t>
+            </a:r>
+          </a:p>
+        </p:txBody>
+      </p:sp>
+      <p:sp>
+        <p:nvSpPr>
+          <p:cNvPr id="6149" name="Rectangle 2"/>
+          <p:cNvSpPr>
+            <a:spLocks noGrp="1" noChangeArrowheads="1"/>
+          </p:cNvSpPr>
+          <p:nvPr>
+            <p:ph type="title"/>
+          </p:nvPr>
+        </p:nvSpPr>
+        <p:spPr/>
+        <p:txBody>
+          <a:bodyPr/>
+          <a:lstStyle/>
+          <a:p>
+            <a:r>
+              <a:rPr lang="en-US" altLang="de-DE" dirty="0" smtClean="0"/>
+              <a:t>Appendix – Feature analysis of App Center</a:t>
+            </a:r>
+            <a:endParaRPr lang="en-US" altLang="de-DE" dirty="0" smtClean="0"/>
+          </a:p>
+        </p:txBody>
+      </p:sp>
+      <p:sp>
+        <p:nvSpPr>
+          <p:cNvPr id="6150" name="Rectangle 3"/>
+          <p:cNvSpPr>
+            <a:spLocks noGrp="1" noChangeArrowheads="1"/>
+          </p:cNvSpPr>
+          <p:nvPr>
+            <p:ph type="body" idx="1"/>
+          </p:nvPr>
+        </p:nvSpPr>
+        <p:spPr>
+          <a:xfrm>
+            <a:off x="392113" y="1631082"/>
+            <a:ext cx="8356600" cy="4894262"/>
+          </a:xfrm>
+        </p:spPr>
+        <p:txBody>
+          <a:bodyPr/>
+          <a:lstStyle/>
+          <a:p>
+            <a:r>
+              <a:rPr lang="en-US" altLang="de-DE" dirty="0" smtClean="0"/>
+              <a:t>All three cloud platform features can be found in App Center:</a:t>
+            </a:r>
+          </a:p>
+          <a:p>
+            <a:pPr lvl="1">
+              <a:lnSpc>
+                <a:spcPct val="150000"/>
+              </a:lnSpc>
+            </a:pPr>
+            <a:r>
+              <a:rPr lang="en-US" altLang="zh-CN" dirty="0" smtClean="0"/>
+              <a:t>IaaS </a:t>
+            </a:r>
+            <a:r>
+              <a:rPr lang="en-US" altLang="zh-CN" dirty="0"/>
+              <a:t>(Infrastructure as a Service), </a:t>
+            </a:r>
+            <a:r>
+              <a:rPr lang="en-US" altLang="zh-CN" dirty="0" smtClean="0"/>
+              <a:t> device farms</a:t>
+            </a:r>
+            <a:endParaRPr lang="en-US" altLang="zh-CN" dirty="0"/>
+          </a:p>
+          <a:p>
+            <a:pPr lvl="1"/>
+            <a:r>
+              <a:rPr lang="en-US" altLang="zh-CN" dirty="0" smtClean="0"/>
+              <a:t>PaaS (Platform as </a:t>
+            </a:r>
+            <a:r>
+              <a:rPr lang="en-US" altLang="zh-CN" dirty="0"/>
+              <a:t>a Service), </a:t>
+            </a:r>
+            <a:r>
+              <a:rPr lang="en-US" altLang="zh-CN" dirty="0" smtClean="0"/>
+              <a:t>platform supported components such as </a:t>
+            </a:r>
+            <a:r>
+              <a:rPr lang="en-US" altLang="zh-CN" i="1" dirty="0" err="1" smtClean="0"/>
+              <a:t>Microsoft.AppCenter.Analytics</a:t>
+            </a:r>
+            <a:r>
+              <a:rPr lang="en-US" altLang="zh-CN" i="1" dirty="0" smtClean="0"/>
+              <a:t>, </a:t>
+            </a:r>
+            <a:r>
+              <a:rPr lang="en-US" altLang="zh-CN" i="1" dirty="0" err="1" smtClean="0"/>
+              <a:t>Microsoft.AppCenter.Crashs</a:t>
+            </a:r>
+            <a:r>
+              <a:rPr lang="en-US" altLang="zh-CN" i="1" dirty="0" smtClean="0"/>
+              <a:t>, </a:t>
+            </a:r>
+            <a:r>
+              <a:rPr lang="de-DE" altLang="zh-CN" i="1" dirty="0" err="1" smtClean="0"/>
+              <a:t>Microsoft.AppCenter.Push</a:t>
+            </a:r>
+            <a:r>
+              <a:rPr lang="de-DE" altLang="zh-CN" dirty="0" smtClean="0"/>
+              <a:t>. </a:t>
+            </a:r>
+            <a:r>
+              <a:rPr lang="en-US" altLang="zh-CN" dirty="0" smtClean="0"/>
+              <a:t>They can be integrated into the developed</a:t>
+            </a:r>
+            <a:r>
+              <a:rPr lang="de-DE" altLang="zh-CN" dirty="0" smtClean="0"/>
+              <a:t> </a:t>
+            </a:r>
+            <a:r>
+              <a:rPr lang="en-US" altLang="zh-CN" dirty="0" smtClean="0"/>
+              <a:t>app.</a:t>
+            </a:r>
+            <a:endParaRPr lang="en-US" altLang="zh-CN" dirty="0"/>
+          </a:p>
+          <a:p>
+            <a:pPr lvl="1">
+              <a:lnSpc>
+                <a:spcPct val="150000"/>
+              </a:lnSpc>
+            </a:pPr>
+            <a:r>
+              <a:rPr lang="en-US" altLang="zh-CN" dirty="0" smtClean="0"/>
+              <a:t>SaaS (Software as </a:t>
+            </a:r>
+            <a:r>
+              <a:rPr lang="en-US" altLang="zh-CN" dirty="0"/>
+              <a:t>a Service), </a:t>
+            </a:r>
+            <a:r>
+              <a:rPr lang="en-US" altLang="zh-CN" dirty="0" smtClean="0"/>
+              <a:t>the app management Web GUI.</a:t>
+            </a:r>
+            <a:endParaRPr lang="en-US" altLang="zh-CN" dirty="0"/>
+          </a:p>
+        </p:txBody>
+      </p:sp>
+    </p:spTree>
+    <p:extLst>
+      <p:ext uri="{BB962C8B-B14F-4D97-AF65-F5344CB8AC3E}">
+        <p14:creationId xmlns:p14="http://schemas.microsoft.com/office/powerpoint/2010/main" val="1476019683"/>
       </p:ext>
     </p:extLst>
   </p:cSld>
@@ -5989,21 +7248,21 @@
           <a:p>
             <a:r>
               <a:rPr lang="de-DE" altLang="de-DE" dirty="0" smtClean="0"/>
-              <a:t>Solution Approach </a:t>
+              <a:t>Project </a:t>
             </a:r>
             <a:r>
               <a:rPr lang="de-DE" altLang="de-DE" dirty="0"/>
-              <a:t>–</a:t>
+              <a:t>Target –</a:t>
             </a:r>
             <a:r>
               <a:rPr lang="de-DE" altLang="de-DE" dirty="0" smtClean="0"/>
               <a:t> </a:t>
             </a:r>
             <a:r>
-              <a:rPr lang="en-US" altLang="de-DE" dirty="0"/>
-              <a:t>Cross-Platform</a:t>
-            </a:r>
-            <a:endParaRPr lang="de-DE" altLang="de-DE" dirty="0" smtClean="0"/>
+              <a:rPr lang="en-US" altLang="de-DE" dirty="0" smtClean="0"/>
+              <a:t>Infrastructure Automation</a:t>
+            </a:r>
+            <a:endParaRPr lang="en-US" altLang="de-DE" dirty="0" smtClean="0"/>
           </a:p>
         </p:txBody>
       </p:sp>
@@ -6019,7 +7278,7 @@
         </p:nvSpPr>
         <p:spPr>
           <a:xfrm>
-            <a:off x="392113" y="1415058"/>
+            <a:off x="392113" y="1268760"/>
             <a:ext cx="8356600" cy="4894262"/>
           </a:xfrm>
         </p:spPr>
@@ -6028,8 +7287,32 @@
           <a:lstStyle/>
           <a:p>
             <a:r>
-              <a:rPr lang="de-DE" altLang="de-DE" dirty="0" smtClean="0"/>
-              <a:t>Xamarin</a:t>
+              <a:rPr lang="en-US" altLang="de-DE" dirty="0"/>
+              <a:t>Also known as Continuous </a:t>
+            </a:r>
+            <a:r>
+              <a:rPr lang="en-US" altLang="de-DE" dirty="0" smtClean="0"/>
+              <a:t>Integration (CI</a:t>
+            </a:r>
+            <a:r>
+              <a:rPr lang="en-US" altLang="de-DE" dirty="0"/>
+              <a:t>), </a:t>
+            </a:r>
+            <a:r>
+              <a:rPr lang="en-US" altLang="de-DE" dirty="0" smtClean="0"/>
+              <a:t>which reduces </a:t>
+            </a:r>
+            <a:r>
+              <a:rPr lang="en-US" altLang="de-DE" dirty="0"/>
+              <a:t>repetitive manual </a:t>
+            </a:r>
+            <a:r>
+              <a:rPr lang="en-US" altLang="de-DE" dirty="0" smtClean="0"/>
+              <a:t>processes and </a:t>
+            </a:r>
+            <a:r>
+              <a:rPr lang="en-US" altLang="de-DE" dirty="0" smtClean="0"/>
+              <a:t>enables:</a:t>
             </a:r>
             <a:endParaRPr lang="en-US" altLang="de-DE" dirty="0" smtClean="0"/>
           </a:p>
@@ -6040,9 +7323,26 @@
               </a:lnSpc>
             </a:pPr>
             <a:r>
+              <a:rPr lang="en-US" altLang="de-DE" dirty="0"/>
+              <a:t>Automatic </a:t>
+            </a:r>
+            <a:r>
+              <a:rPr lang="en-US" altLang="zh-CN" dirty="0"/>
+              <a:t>compilation</a:t>
+            </a:r>
+            <a:r>
+              <a:rPr lang="de-DE" altLang="zh-CN" dirty="0"/>
+              <a:t> </a:t>
+            </a:r>
+            <a:r>
+              <a:rPr lang="en-US" altLang="de-DE" dirty="0"/>
+              <a:t>and </a:t>
+            </a:r>
+            <a:r>
               <a:rPr lang="en-US" altLang="de-DE" dirty="0" smtClean="0"/>
-              <a:t>Projects created with Xamarin framework can be compiled to Android, iOS and Windows UWP apps.</a:t>
-            </a:r>
+              <a:t>building</a:t>
+            </a:r>
+            <a:endParaRPr lang="en-US" altLang="de-DE" dirty="0"/>
           </a:p>
           <a:p>
             <a:pPr lvl="1">
@@ -6051,8 +7351,8 @@
               </a:lnSpc>
             </a:pPr>
             <a:r>
-              <a:rPr lang="en-US" altLang="de-DE" dirty="0" smtClean="0"/>
-              <a:t>C# is the programming language</a:t>
+              <a:rPr lang="en-US" altLang="de-DE" dirty="0"/>
+              <a:t>Automatic testing</a:t>
             </a:r>
           </a:p>
           <a:p>
@@ -6063,21 +7363,8 @@
             </a:pPr>
             <a:r>
               <a:rPr lang="en-US" altLang="de-DE" dirty="0" smtClean="0"/>
-              <a:t>Supported</a:t>
-            </a:r>
-            <a:r>
-              <a:rPr lang="de-DE" altLang="de-DE" dirty="0" smtClean="0"/>
-              <a:t> </a:t>
-            </a:r>
-            <a:r>
-              <a:rPr lang="en-US" altLang="de-DE" dirty="0" smtClean="0"/>
-              <a:t>in </a:t>
-            </a:r>
-            <a:r>
-              <a:rPr lang="de-DE" altLang="de-DE" dirty="0" smtClean="0"/>
-              <a:t>Visual Studio</a:t>
-            </a:r>
-            <a:endParaRPr lang="en-US" altLang="de-DE" dirty="0" smtClean="0"/>
+              <a:t>Continuous Delivery</a:t>
+            </a:r>
           </a:p>
           <a:p>
             <a:pPr lvl="1">
@@ -6087,80 +7374,38 @@
             </a:pPr>
             <a:r>
               <a:rPr lang="en-US" altLang="de-DE" dirty="0" smtClean="0"/>
-              <a:t>Offers test framework “</a:t>
-            </a:r>
-            <a:r>
-              <a:rPr lang="en-US" altLang="de-DE" dirty="0" err="1" smtClean="0"/>
-              <a:t>Xamarin.UITest</a:t>
-            </a:r>
+              <a:t>Automatic feedback to the developer</a:t>
+            </a:r>
+          </a:p>
+          <a:p>
+            <a:pPr>
+              <a:lnSpc>
+                <a:spcPct val="150000"/>
+              </a:lnSpc>
+            </a:pPr>
             <a:r>
               <a:rPr lang="en-US" altLang="de-DE" dirty="0" smtClean="0"/>
-              <a:t>”</a:t>
-            </a:r>
-          </a:p>
-          <a:p>
-            <a:pPr eaLnBrk="1" hangingPunct="1"/>
-            <a:endParaRPr lang="de-DE" altLang="de-DE" dirty="0" smtClean="0"/>
-          </a:p>
-        </p:txBody>
-      </p:sp>
-      <p:pic>
-        <p:nvPicPr>
-          <p:cNvPr id="5" name="图片 4"/>
-          <p:cNvPicPr>
-            <a:picLocks noChangeAspect="1"/>
-          </p:cNvPicPr>
-          <p:nvPr/>
-        </p:nvPicPr>
-        <p:blipFill rotWithShape="1">
-          <a:blip r:embed="rId2"/>
-          <a:srcRect l="31171" t="9156" r="26234" b="38671"/>
-          <a:stretch/>
-        </p:blipFill>
-        <p:spPr>
-          <a:xfrm>
-            <a:off x="1843608" y="4458189"/>
-            <a:ext cx="2008312" cy="1844824"/>
-          </a:xfrm>
-          <a:prstGeom prst="rect">
-            <a:avLst/>
-          </a:prstGeom>
-        </p:spPr>
-      </p:pic>
-      <p:pic>
-        <p:nvPicPr>
-          <p:cNvPr id="2" name="图片 1"/>
-          <p:cNvPicPr>
-            <a:picLocks noChangeAspect="1"/>
-          </p:cNvPicPr>
-          <p:nvPr/>
-        </p:nvPicPr>
-        <p:blipFill>
-          <a:blip r:embed="rId3">
-            <a:extLst>
-              <a:ext uri="{28A0092B-C50C-407E-A947-70E740481C1C}">
-                <a14:useLocalDpi xmlns:a14="http://schemas.microsoft.com/office/drawing/2010/main" val="0"/>
-              </a:ext>
-            </a:extLst>
-          </a:blip>
-          <a:stretch>
-            <a:fillRect/>
-          </a:stretch>
-        </p:blipFill>
-        <p:spPr>
-          <a:xfrm>
-            <a:off x="5436096" y="4586052"/>
-            <a:ext cx="2016224" cy="1723268"/>
-          </a:xfrm>
-          <a:prstGeom prst="rect">
-            <a:avLst/>
-          </a:prstGeom>
-        </p:spPr>
-      </p:pic>
+              <a:t>CI also reduces risks in developing process:</a:t>
+            </a:r>
+          </a:p>
+          <a:p>
+            <a:pPr lvl="1">
+              <a:lnSpc>
+                <a:spcPct val="150000"/>
+              </a:lnSpc>
+            </a:pPr>
+            <a:r>
+              <a:rPr lang="en-US" altLang="de-DE" dirty="0" smtClean="0"/>
+              <a:t>Defects are earlier detected with the help of automatic testing, then feedback to the developer and thus fixed more efficiently</a:t>
+            </a:r>
+            <a:endParaRPr lang="en-US" altLang="de-DE" dirty="0" smtClean="0"/>
+          </a:p>
+        </p:txBody>
+      </p:sp>
     </p:spTree>
     <p:extLst>
       <p:ext uri="{BB962C8B-B14F-4D97-AF65-F5344CB8AC3E}">
-        <p14:creationId xmlns:p14="http://schemas.microsoft.com/office/powerpoint/2010/main" val="3477548600"/>
+        <p14:creationId xmlns:p14="http://schemas.microsoft.com/office/powerpoint/2010/main" val="3048085001"/>
       </p:ext>
     </p:extLst>
   </p:cSld>
@@ -6235,11 +7480,19 @@
           <a:p>
             <a:r>
               <a:rPr lang="de-DE" altLang="de-DE" dirty="0" smtClean="0"/>
-              <a:t>Solution Approach – </a:t>
-            </a:r>
-            <a:r>
-              <a:rPr lang="en-US" altLang="de-DE" dirty="0" smtClean="0"/>
-              <a:t>Source Control</a:t>
+              <a:t>Solution Approach </a:t>
+            </a:r>
+            <a:r>
+              <a:rPr lang="de-DE" altLang="de-DE" dirty="0"/>
+              <a:t>–</a:t>
+            </a:r>
+            <a:r>
+              <a:rPr lang="de-DE" altLang="de-DE" dirty="0" smtClean="0"/>
+              <a:t> </a:t>
+            </a:r>
+            <a:r>
+              <a:rPr lang="en-US" altLang="de-DE" dirty="0"/>
+              <a:t>Cross-Platform</a:t>
             </a:r>
             <a:endParaRPr lang="de-DE" altLang="de-DE" dirty="0" smtClean="0"/>
           </a:p>
@@ -6257,7 +7510,7 @@
         </p:nvSpPr>
         <p:spPr>
           <a:xfrm>
-            <a:off x="392113" y="1415058"/>
+            <a:off x="392113" y="1124744"/>
             <a:ext cx="8356600" cy="4894262"/>
           </a:xfrm>
         </p:spPr>
@@ -6267,159 +7520,107 @@
           <a:p>
             <a:r>
               <a:rPr lang="de-DE" altLang="de-DE" dirty="0" smtClean="0"/>
-              <a:t>Git </a:t>
+              <a:t>Xamarin</a:t>
+            </a:r>
+            <a:endParaRPr lang="en-US" altLang="de-DE" dirty="0" smtClean="0"/>
+          </a:p>
+          <a:p>
+            <a:pPr lvl="1">
+              <a:spcBef>
+                <a:spcPts val="1200"/>
+              </a:spcBef>
+            </a:pPr>
+            <a:r>
+              <a:rPr lang="en-US" altLang="de-DE" dirty="0"/>
+              <a:t>The Xamarin </a:t>
             </a:r>
             <a:r>
               <a:rPr lang="en-US" altLang="de-DE" dirty="0" smtClean="0"/>
-              <a:t>under</a:t>
-            </a:r>
-            <a:r>
-              <a:rPr lang="de-DE" altLang="de-DE" dirty="0" smtClean="0"/>
-              <a:t> </a:t>
+              <a:t>meta-project generates automatically </a:t>
+            </a:r>
+            <a:r>
+              <a:rPr lang="en-US" altLang="de-DE" dirty="0"/>
+              <a:t>Android, iOS and Windows UWP </a:t>
             </a:r>
             <a:r>
               <a:rPr lang="en-US" altLang="de-DE" dirty="0" smtClean="0"/>
-              <a:t>the hosting of </a:t>
-            </a:r>
-            <a:r>
-              <a:rPr lang="de-DE" altLang="de-DE" dirty="0" smtClean="0"/>
-              <a:t>GitHub</a:t>
-            </a:r>
-            <a:endParaRPr lang="en-US" altLang="de-DE" dirty="0"/>
+              <a:t>target projects and linked the together with a primary project, compiling and debugging become easy</a:t>
+            </a:r>
+            <a:r>
+              <a:rPr lang="en-US" altLang="de-DE" dirty="0" smtClean="0"/>
+              <a:t>.</a:t>
+            </a:r>
+            <a:endParaRPr lang="en-US" altLang="de-DE" dirty="0" smtClean="0"/>
           </a:p>
           <a:p>
             <a:pPr lvl="1">
-              <a:lnSpc>
-                <a:spcPct val="150000"/>
-              </a:lnSpc>
+              <a:spcBef>
+                <a:spcPts val="1200"/>
+              </a:spcBef>
             </a:pPr>
             <a:r>
-              <a:rPr lang="en-US" altLang="zh-CN" dirty="0"/>
-              <a:t>Git is one of the most </a:t>
-            </a:r>
-            <a:r>
-              <a:rPr lang="en-US" altLang="zh-CN" dirty="0" smtClean="0"/>
-              <a:t>popular source</a:t>
-            </a:r>
-            <a:r>
-              <a:rPr lang="de-DE" altLang="zh-CN" dirty="0" smtClean="0"/>
-              <a:t> </a:t>
-            </a:r>
-            <a:r>
-              <a:rPr lang="en-US" altLang="zh-CN" dirty="0" smtClean="0"/>
-              <a:t>control</a:t>
-            </a:r>
-            <a:r>
-              <a:rPr lang="de-DE" altLang="zh-CN" dirty="0" smtClean="0"/>
-              <a:t> </a:t>
-            </a:r>
-            <a:r>
-              <a:rPr lang="en-US" altLang="zh-CN" dirty="0" smtClean="0"/>
-              <a:t>and</a:t>
-            </a:r>
-            <a:r>
-              <a:rPr lang="de-DE" altLang="zh-CN" dirty="0" smtClean="0"/>
-              <a:t> </a:t>
-            </a:r>
-            <a:r>
-              <a:rPr lang="en-US" altLang="zh-CN" dirty="0" smtClean="0"/>
-              <a:t>version</a:t>
-            </a:r>
-            <a:r>
-              <a:rPr lang="de-DE" altLang="zh-CN" dirty="0" smtClean="0"/>
-              <a:t> </a:t>
-            </a:r>
-            <a:r>
-              <a:rPr lang="en-US" altLang="zh-CN" dirty="0" smtClean="0"/>
-              <a:t>management</a:t>
-            </a:r>
-            <a:r>
-              <a:rPr lang="de-DE" altLang="zh-CN" dirty="0" smtClean="0"/>
-              <a:t> </a:t>
-            </a:r>
-            <a:r>
-              <a:rPr lang="en-US" altLang="zh-CN" dirty="0" smtClean="0"/>
-              <a:t>tool</a:t>
+              <a:rPr lang="en-US" altLang="de-DE" dirty="0" smtClean="0"/>
+              <a:t>C# is the programming </a:t>
+            </a:r>
+            <a:r>
+              <a:rPr lang="en-US" altLang="de-DE" dirty="0" smtClean="0"/>
+              <a:t>language, XAML is the UI description language</a:t>
             </a:r>
             <a:endParaRPr lang="en-US" altLang="de-DE" dirty="0" smtClean="0"/>
           </a:p>
           <a:p>
             <a:pPr lvl="1">
-              <a:lnSpc>
-                <a:spcPct val="150000"/>
-              </a:lnSpc>
+              <a:spcBef>
+                <a:spcPts val="1200"/>
+              </a:spcBef>
             </a:pPr>
             <a:r>
               <a:rPr lang="en-US" altLang="de-DE" dirty="0" smtClean="0"/>
-              <a:t>Operations integrated in </a:t>
+              <a:t>Integrated in </a:t>
             </a:r>
             <a:r>
               <a:rPr lang="de-DE" altLang="de-DE" dirty="0" smtClean="0"/>
               <a:t>Visual Studio</a:t>
             </a:r>
+            <a:endParaRPr lang="en-US" altLang="de-DE" dirty="0" smtClean="0"/>
           </a:p>
           <a:p>
             <a:pPr lvl="1">
-              <a:lnSpc>
-                <a:spcPct val="150000"/>
-              </a:lnSpc>
+              <a:spcBef>
+                <a:spcPts val="1200"/>
+              </a:spcBef>
             </a:pPr>
             <a:r>
-              <a:rPr lang="de-DE" altLang="de-DE" dirty="0" smtClean="0"/>
-              <a:t>GitHub </a:t>
-            </a:r>
-            <a:r>
-              <a:rPr lang="en-GB" altLang="de-DE" dirty="0" smtClean="0"/>
-              <a:t>as</a:t>
-            </a:r>
-            <a:r>
-              <a:rPr lang="de-DE" altLang="de-DE" dirty="0" smtClean="0"/>
-              <a:t> </a:t>
-            </a:r>
-            <a:r>
               <a:rPr lang="en-US" altLang="de-DE" dirty="0" smtClean="0"/>
-              <a:t>remote hosting, so that no local Git server is needed</a:t>
-            </a:r>
-          </a:p>
-          <a:p>
-            <a:pPr lvl="1">
-              <a:lnSpc>
-                <a:spcPct val="150000"/>
-              </a:lnSpc>
-            </a:pPr>
+              <a:t>Offers test framework “</a:t>
+            </a:r>
+            <a:r>
+              <a:rPr lang="en-US" altLang="de-DE" dirty="0" err="1" smtClean="0"/>
+              <a:t>Xamarin.UITest</a:t>
+            </a:r>
             <a:r>
               <a:rPr lang="en-US" altLang="de-DE" dirty="0" smtClean="0"/>
-              <a:t>GitHub offers non-public repository for privacy protection ($9 each) </a:t>
-            </a:r>
+              <a:t>” </a:t>
+            </a:r>
+            <a:r>
+              <a:rPr lang="en-US" altLang="zh-CN" dirty="0"/>
+              <a:t>(based on NUnit</a:t>
+            </a:r>
+            <a:r>
+              <a:rPr lang="en-US" altLang="zh-CN" dirty="0" smtClean="0"/>
+              <a:t>)</a:t>
+            </a:r>
+            <a:endParaRPr lang="en-US" altLang="de-DE" dirty="0" smtClean="0"/>
+          </a:p>
+          <a:p>
+            <a:pPr eaLnBrk="1" hangingPunct="1"/>
+            <a:endParaRPr lang="de-DE" altLang="de-DE" dirty="0" smtClean="0"/>
           </a:p>
         </p:txBody>
       </p:sp>
       <p:pic>
         <p:nvPicPr>
-          <p:cNvPr id="7" name="图片 6"/>
-          <p:cNvPicPr>
-            <a:picLocks noChangeAspect="1"/>
-          </p:cNvPicPr>
-          <p:nvPr/>
-        </p:nvPicPr>
-        <p:blipFill rotWithShape="1">
-          <a:blip r:embed="rId2"/>
-          <a:srcRect l="16495" r="16024"/>
-          <a:stretch/>
-        </p:blipFill>
-        <p:spPr>
-          <a:xfrm>
-            <a:off x="6012160" y="4512503"/>
-            <a:ext cx="2115609" cy="1762322"/>
-          </a:xfrm>
-          <a:prstGeom prst="rect">
-            <a:avLst/>
-          </a:prstGeom>
-        </p:spPr>
-      </p:pic>
-      <p:pic>
-        <p:nvPicPr>
-          <p:cNvPr id="3" name="图片 2"/>
+          <p:cNvPr id="5" name="图片 4"/>
           <p:cNvPicPr>
             <a:picLocks noChangeAspect="1"/>
           </p:cNvPicPr>
@@ -6427,63 +7628,53 @@
         </p:nvPicPr>
         <p:blipFill rotWithShape="1">
           <a:blip r:embed="rId3"/>
-          <a:srcRect t="24801" b="26900"/>
+          <a:srcRect l="31171" t="9156" r="26234" b="38671"/>
           <a:stretch/>
         </p:blipFill>
         <p:spPr>
           <a:xfrm>
-            <a:off x="818186" y="4491125"/>
-            <a:ext cx="3744416" cy="1808528"/>
+            <a:off x="1843608" y="4458189"/>
+            <a:ext cx="2008312" cy="1844824"/>
           </a:xfrm>
           <a:prstGeom prst="rect">
             <a:avLst/>
           </a:prstGeom>
         </p:spPr>
       </p:pic>
-      <p:sp>
-        <p:nvSpPr>
-          <p:cNvPr id="6" name="左右箭头 5"/>
-          <p:cNvSpPr/>
+      <p:pic>
+        <p:nvPicPr>
+          <p:cNvPr id="2" name="图片 1"/>
+          <p:cNvPicPr>
+            <a:picLocks noChangeAspect="1"/>
+          </p:cNvPicPr>
           <p:nvPr/>
-        </p:nvSpPr>
+        </p:nvPicPr>
+        <p:blipFill>
+          <a:blip r:embed="rId4">
+            <a:extLst>
+              <a:ext uri="{28A0092B-C50C-407E-A947-70E740481C1C}">
+                <a14:useLocalDpi xmlns:a14="http://schemas.microsoft.com/office/drawing/2010/main" val="0"/>
+              </a:ext>
+            </a:extLst>
+          </a:blip>
+          <a:stretch>
+            <a:fillRect/>
+          </a:stretch>
+        </p:blipFill>
         <p:spPr>
           <a:xfrm>
-            <a:off x="4860032" y="5157192"/>
-            <a:ext cx="1152128" cy="236472"/>
+            <a:off x="5436096" y="4586052"/>
+            <a:ext cx="2016224" cy="1723268"/>
           </a:xfrm>
-          <a:prstGeom prst="leftRightArrow">
+          <a:prstGeom prst="rect">
             <a:avLst/>
           </a:prstGeom>
         </p:spPr>
-        <p:style>
-          <a:lnRef idx="2">
-            <a:schemeClr val="dk1">
-              <a:shade val="50000"/>
-            </a:schemeClr>
-          </a:lnRef>
-          <a:fillRef idx="1">
-            <a:schemeClr val="dk1"/>
-          </a:fillRef>
-          <a:effectRef idx="0">
-            <a:schemeClr val="dk1"/>
-          </a:effectRef>
-          <a:fontRef idx="minor">
-            <a:schemeClr val="lt1"/>
-          </a:fontRef>
-        </p:style>
-        <p:txBody>
-          <a:bodyPr rtlCol="0" anchor="ctr"/>
-          <a:lstStyle/>
-          <a:p>
-            <a:pPr algn="ctr"/>
-            <a:endParaRPr lang="zh-CN" altLang="en-US"/>
-          </a:p>
-        </p:txBody>
-      </p:sp>
+      </p:pic>
     </p:spTree>
     <p:extLst>
       <p:ext uri="{BB962C8B-B14F-4D97-AF65-F5344CB8AC3E}">
-        <p14:creationId xmlns:p14="http://schemas.microsoft.com/office/powerpoint/2010/main" val="3674102647"/>
+        <p14:creationId xmlns:p14="http://schemas.microsoft.com/office/powerpoint/2010/main" val="3477548600"/>
       </p:ext>
     </p:extLst>
   </p:cSld>
@@ -6561,8 +7752,8 @@
               <a:t>Solution Approach – </a:t>
             </a:r>
             <a:r>
-              <a:rPr lang="en-US" altLang="de-DE" dirty="0"/>
-              <a:t>Continuous Integration</a:t>
+              <a:rPr lang="en-US" altLang="de-DE" dirty="0" smtClean="0"/>
+              <a:t>Source Control</a:t>
             </a:r>
             <a:endParaRPr lang="de-DE" altLang="de-DE" dirty="0" smtClean="0"/>
           </a:p>
@@ -6589,26 +7780,26 @@
           <a:lstStyle/>
           <a:p>
             <a:r>
+              <a:rPr lang="de-DE" altLang="de-DE" dirty="0" smtClean="0"/>
+              <a:t>Git </a:t>
+            </a:r>
+            <a:r>
               <a:rPr lang="en-US" altLang="de-DE" dirty="0" smtClean="0"/>
-              <a:t>Automatic</a:t>
+              <a:t>under</a:t>
             </a:r>
             <a:r>
               <a:rPr lang="de-DE" altLang="de-DE" dirty="0" smtClean="0"/>
               <a:t> </a:t>
             </a:r>
             <a:r>
-              <a:rPr lang="en-US" altLang="zh-CN" dirty="0" smtClean="0"/>
-              <a:t>B</a:t>
-            </a:r>
-            <a:r>
               <a:rPr lang="en-US" altLang="de-DE" dirty="0" smtClean="0"/>
-              <a:t>uild </a:t>
-            </a:r>
-            <a:r>
-              <a:rPr lang="en-US" altLang="zh-CN" dirty="0" smtClean="0"/>
-              <a:t>with Visual Studio App Center</a:t>
-            </a:r>
-            <a:endParaRPr lang="en-US" altLang="de-DE" dirty="0" smtClean="0"/>
+              <a:t>the hosting of </a:t>
+            </a:r>
+            <a:r>
+              <a:rPr lang="de-DE" altLang="de-DE" dirty="0" smtClean="0"/>
+              <a:t>GitHub</a:t>
+            </a:r>
+            <a:endParaRPr lang="en-US" altLang="de-DE" dirty="0"/>
           </a:p>
           <a:p>
             <a:pPr lvl="1">
@@ -6617,9 +7808,54 @@
               </a:lnSpc>
             </a:pPr>
             <a:r>
+              <a:rPr lang="en-US" altLang="zh-CN" dirty="0"/>
+              <a:t>Git is one of the most </a:t>
+            </a:r>
+            <a:r>
               <a:rPr lang="en-US" altLang="zh-CN" dirty="0" smtClean="0"/>
-              <a:t>Three different platform build separately</a:t>
-            </a:r>
+              <a:t>popular source</a:t>
+            </a:r>
+            <a:r>
+              <a:rPr lang="de-DE" altLang="zh-CN" dirty="0" smtClean="0"/>
+              <a:t> </a:t>
+            </a:r>
+            <a:r>
+              <a:rPr lang="en-US" altLang="zh-CN" dirty="0" smtClean="0"/>
+              <a:t>control</a:t>
+            </a:r>
+            <a:r>
+              <a:rPr lang="de-DE" altLang="zh-CN" dirty="0" smtClean="0"/>
+              <a:t> </a:t>
+            </a:r>
+            <a:r>
+              <a:rPr lang="en-US" altLang="zh-CN" dirty="0" smtClean="0"/>
+              <a:t>and</a:t>
+            </a:r>
+            <a:r>
+              <a:rPr lang="de-DE" altLang="zh-CN" dirty="0" smtClean="0"/>
+              <a:t> </a:t>
+            </a:r>
+            <a:r>
+              <a:rPr lang="en-US" altLang="zh-CN" dirty="0" smtClean="0"/>
+              <a:t>version</a:t>
+            </a:r>
+            <a:r>
+              <a:rPr lang="de-DE" altLang="zh-CN" dirty="0" smtClean="0"/>
+              <a:t> </a:t>
+            </a:r>
+            <a:r>
+              <a:rPr lang="en-US" altLang="zh-CN" dirty="0" smtClean="0"/>
+              <a:t>management</a:t>
+            </a:r>
+            <a:r>
+              <a:rPr lang="de-DE" altLang="zh-CN" dirty="0" smtClean="0"/>
+              <a:t> </a:t>
+            </a:r>
+            <a:r>
+              <a:rPr lang="en-US" altLang="zh-CN" dirty="0" smtClean="0"/>
+              <a:t>tool</a:t>
+            </a:r>
+            <a:endParaRPr lang="en-US" altLang="de-DE" dirty="0" smtClean="0"/>
           </a:p>
           <a:p>
             <a:pPr lvl="1">
@@ -6628,8 +7864,12 @@
               </a:lnSpc>
             </a:pPr>
             <a:r>
-              <a:rPr lang="en-US" altLang="zh-CN" dirty="0" smtClean="0"/>
-              <a:t>Build can be triggered by each push to the GitHub repository</a:t>
+              <a:rPr lang="en-US" altLang="de-DE" dirty="0" smtClean="0"/>
+              <a:t>Operations integrated in </a:t>
+            </a:r>
+            <a:r>
+              <a:rPr lang="de-DE" altLang="de-DE" dirty="0" smtClean="0"/>
+              <a:t>Visual Studio</a:t>
             </a:r>
           </a:p>
           <a:p>
@@ -6639,51 +7879,32 @@
               </a:lnSpc>
             </a:pPr>
             <a:r>
+              <a:rPr lang="de-DE" altLang="de-DE" dirty="0" smtClean="0"/>
+              <a:t>GitHub </a:t>
+            </a:r>
+            <a:r>
+              <a:rPr lang="en-GB" altLang="de-DE" dirty="0" smtClean="0"/>
+              <a:t>as</a:t>
+            </a:r>
+            <a:r>
+              <a:rPr lang="de-DE" altLang="de-DE" dirty="0" smtClean="0"/>
+              <a:t> </a:t>
+            </a:r>
+            <a:r>
               <a:rPr lang="en-US" altLang="de-DE" dirty="0" smtClean="0"/>
-              <a:t>Build process can be controlled and configured with scripts</a:t>
-            </a:r>
-          </a:p>
-          <a:p>
-            <a:pPr lvl="2">
+              <a:t>remote hosting, so that no local Git server is needed</a:t>
+            </a:r>
+          </a:p>
+          <a:p>
+            <a:pPr lvl="1">
               <a:lnSpc>
                 <a:spcPct val="150000"/>
               </a:lnSpc>
             </a:pPr>
             <a:r>
-              <a:rPr lang="en-US" altLang="zh-CN" sz="1400" dirty="0"/>
-              <a:t>post clone </a:t>
-            </a:r>
-            <a:r>
-              <a:rPr lang="en-US" altLang="zh-CN" sz="1400" dirty="0" smtClean="0"/>
-              <a:t>script</a:t>
-            </a:r>
-          </a:p>
-          <a:p>
-            <a:pPr lvl="2">
-              <a:lnSpc>
-                <a:spcPct val="150000"/>
-              </a:lnSpc>
-            </a:pPr>
-            <a:r>
-              <a:rPr lang="en-US" altLang="zh-CN" sz="1400" dirty="0" smtClean="0"/>
-              <a:t>pre-build script</a:t>
-            </a:r>
-          </a:p>
-          <a:p>
-            <a:pPr lvl="2">
-              <a:lnSpc>
-                <a:spcPct val="150000"/>
-              </a:lnSpc>
-            </a:pPr>
-            <a:r>
-              <a:rPr lang="en-US" altLang="zh-CN" sz="1400" dirty="0" smtClean="0"/>
-              <a:t>post-build </a:t>
-            </a:r>
-            <a:r>
-              <a:rPr lang="en-US" altLang="zh-CN" sz="1400" dirty="0"/>
-              <a:t>script</a:t>
-            </a:r>
-            <a:endParaRPr lang="en-US" altLang="de-DE" sz="1400" dirty="0" smtClean="0"/>
+              <a:rPr lang="en-US" altLang="de-DE" dirty="0" smtClean="0"/>
+              <a:t>GitHub offers non-public repository for privacy protection ($9 each) </a:t>
+            </a:r>
           </a:p>
         </p:txBody>
       </p:sp>
@@ -6702,7 +7923,7 @@
         </p:blipFill>
         <p:spPr>
           <a:xfrm>
-            <a:off x="1809114" y="4496599"/>
+            <a:off x="6012160" y="4512503"/>
             <a:ext cx="2115609" cy="1762322"/>
           </a:xfrm>
           <a:prstGeom prst="rect">
@@ -6712,7 +7933,7 @@
       </p:pic>
       <p:pic>
         <p:nvPicPr>
-          <p:cNvPr id="8" name="图片 7"/>
+          <p:cNvPr id="3" name="图片 2"/>
           <p:cNvPicPr>
             <a:picLocks noChangeAspect="1"/>
           </p:cNvPicPr>
@@ -6720,13 +7941,13 @@
         </p:nvPicPr>
         <p:blipFill rotWithShape="1">
           <a:blip r:embed="rId3"/>
-          <a:srcRect l="32527" r="31059"/>
+          <a:srcRect t="24801" b="26900"/>
           <a:stretch/>
         </p:blipFill>
         <p:spPr>
           <a:xfrm>
-            <a:off x="5796136" y="4496599"/>
-            <a:ext cx="1944216" cy="1868711"/>
+            <a:off x="818186" y="4491125"/>
+            <a:ext cx="3744416" cy="1808528"/>
           </a:xfrm>
           <a:prstGeom prst="rect">
             <a:avLst/>
@@ -6735,30 +7956,30 @@
       </p:pic>
       <p:sp>
         <p:nvSpPr>
-          <p:cNvPr id="2" name="左箭头 1"/>
+          <p:cNvPr id="6" name="左右箭头 5"/>
           <p:cNvSpPr/>
           <p:nvPr/>
         </p:nvSpPr>
         <p:spPr>
           <a:xfrm>
-            <a:off x="4067944" y="5229200"/>
-            <a:ext cx="1368152" cy="216024"/>
+            <a:off x="4860032" y="5157192"/>
+            <a:ext cx="1152128" cy="236472"/>
           </a:xfrm>
-          <a:prstGeom prst="leftArrow">
+          <a:prstGeom prst="leftRightArrow">
             <a:avLst/>
           </a:prstGeom>
         </p:spPr>
         <p:style>
           <a:lnRef idx="2">
-            <a:schemeClr val="accent4">
+            <a:schemeClr val="dk1">
               <a:shade val="50000"/>
             </a:schemeClr>
           </a:lnRef>
           <a:fillRef idx="1">
-            <a:schemeClr val="accent4"/>
+            <a:schemeClr val="dk1"/>
           </a:fillRef>
           <a:effectRef idx="0">
-            <a:schemeClr val="accent4"/>
+            <a:schemeClr val="dk1"/>
           </a:effectRef>
           <a:fontRef idx="minor">
             <a:schemeClr val="lt1"/>
@@ -6776,7 +7997,7 @@
     </p:spTree>
     <p:extLst>
       <p:ext uri="{BB962C8B-B14F-4D97-AF65-F5344CB8AC3E}">
-        <p14:creationId xmlns:p14="http://schemas.microsoft.com/office/powerpoint/2010/main" val="239284121"/>
+        <p14:creationId xmlns:p14="http://schemas.microsoft.com/office/powerpoint/2010/main" val="3674102647"/>
       </p:ext>
     </p:extLst>
   </p:cSld>
@@ -6883,18 +8104,525 @@
           <a:p>
             <a:r>
               <a:rPr lang="en-US" altLang="de-DE" dirty="0" smtClean="0"/>
-              <a:t>Publish built apps </a:t>
+              <a:t>Automatic</a:t>
+            </a:r>
+            <a:r>
+              <a:rPr lang="de-DE" altLang="de-DE" dirty="0" smtClean="0"/>
+              <a:t> </a:t>
+            </a:r>
+            <a:r>
+              <a:rPr lang="en-US" altLang="zh-CN" dirty="0" smtClean="0"/>
+              <a:t>B</a:t>
+            </a:r>
+            <a:r>
+              <a:rPr lang="en-US" altLang="de-DE" dirty="0" smtClean="0"/>
+              <a:t>uild </a:t>
             </a:r>
             <a:r>
               <a:rPr lang="en-US" altLang="zh-CN" dirty="0" smtClean="0"/>
               <a:t>with Visual Studio App Center</a:t>
             </a:r>
+            <a:endParaRPr lang="en-US" altLang="de-DE" dirty="0" smtClean="0"/>
+          </a:p>
+          <a:p>
+            <a:pPr lvl="1">
+              <a:lnSpc>
+                <a:spcPct val="150000"/>
+              </a:lnSpc>
+            </a:pPr>
+            <a:r>
+              <a:rPr lang="en-US" altLang="zh-CN" dirty="0" smtClean="0"/>
+              <a:t>Three different platform build separately</a:t>
+            </a:r>
+          </a:p>
+          <a:p>
+            <a:pPr lvl="1">
+              <a:lnSpc>
+                <a:spcPct val="150000"/>
+              </a:lnSpc>
+            </a:pPr>
+            <a:r>
+              <a:rPr lang="en-US" altLang="zh-CN" dirty="0" smtClean="0"/>
+              <a:t>Build can be triggered by each push to the GitHub repository</a:t>
+            </a:r>
+          </a:p>
+          <a:p>
+            <a:pPr lvl="1">
+              <a:lnSpc>
+                <a:spcPct val="150000"/>
+              </a:lnSpc>
+            </a:pPr>
+            <a:r>
+              <a:rPr lang="en-US" altLang="de-DE" dirty="0" smtClean="0"/>
+              <a:t>Build process can be controlled and configured with scripts</a:t>
+            </a:r>
+          </a:p>
+          <a:p>
+            <a:pPr lvl="2">
+              <a:lnSpc>
+                <a:spcPct val="150000"/>
+              </a:lnSpc>
+            </a:pPr>
+            <a:r>
+              <a:rPr lang="en-US" altLang="zh-CN" sz="1400" dirty="0"/>
+              <a:t>post clone </a:t>
+            </a:r>
+            <a:r>
+              <a:rPr lang="en-US" altLang="zh-CN" sz="1400" dirty="0" smtClean="0"/>
+              <a:t>script</a:t>
+            </a:r>
+          </a:p>
+          <a:p>
+            <a:pPr lvl="2">
+              <a:lnSpc>
+                <a:spcPct val="150000"/>
+              </a:lnSpc>
+            </a:pPr>
+            <a:r>
+              <a:rPr lang="en-US" altLang="zh-CN" sz="1400" dirty="0" smtClean="0"/>
+              <a:t>pre-build script</a:t>
+            </a:r>
+          </a:p>
+          <a:p>
+            <a:pPr lvl="2">
+              <a:lnSpc>
+                <a:spcPct val="150000"/>
+              </a:lnSpc>
+            </a:pPr>
+            <a:r>
+              <a:rPr lang="en-US" altLang="zh-CN" sz="1400" dirty="0" smtClean="0"/>
+              <a:t>post-build </a:t>
+            </a:r>
+            <a:r>
+              <a:rPr lang="en-US" altLang="zh-CN" sz="1400" dirty="0"/>
+              <a:t>script</a:t>
+            </a:r>
+            <a:endParaRPr lang="en-US" altLang="de-DE" sz="1400" dirty="0" smtClean="0"/>
+          </a:p>
+        </p:txBody>
+      </p:sp>
+      <p:pic>
+        <p:nvPicPr>
+          <p:cNvPr id="7" name="图片 6"/>
+          <p:cNvPicPr>
+            <a:picLocks noChangeAspect="1"/>
+          </p:cNvPicPr>
+          <p:nvPr/>
+        </p:nvPicPr>
+        <p:blipFill rotWithShape="1">
+          <a:blip r:embed="rId2"/>
+          <a:srcRect l="16495" r="16024"/>
+          <a:stretch/>
+        </p:blipFill>
+        <p:spPr>
+          <a:xfrm>
+            <a:off x="1809114" y="4496599"/>
+            <a:ext cx="2115609" cy="1762322"/>
+          </a:xfrm>
+          <a:prstGeom prst="rect">
+            <a:avLst/>
+          </a:prstGeom>
+        </p:spPr>
+      </p:pic>
+      <p:pic>
+        <p:nvPicPr>
+          <p:cNvPr id="8" name="图片 7"/>
+          <p:cNvPicPr>
+            <a:picLocks noChangeAspect="1"/>
+          </p:cNvPicPr>
+          <p:nvPr/>
+        </p:nvPicPr>
+        <p:blipFill rotWithShape="1">
+          <a:blip r:embed="rId3"/>
+          <a:srcRect l="32527" r="31059"/>
+          <a:stretch/>
+        </p:blipFill>
+        <p:spPr>
+          <a:xfrm>
+            <a:off x="5796136" y="4496599"/>
+            <a:ext cx="1944216" cy="1868711"/>
+          </a:xfrm>
+          <a:prstGeom prst="rect">
+            <a:avLst/>
+          </a:prstGeom>
+        </p:spPr>
+      </p:pic>
+      <p:sp>
+        <p:nvSpPr>
+          <p:cNvPr id="2" name="左箭头 1"/>
+          <p:cNvSpPr/>
+          <p:nvPr/>
+        </p:nvSpPr>
+        <p:spPr>
+          <a:xfrm>
+            <a:off x="4067944" y="5229200"/>
+            <a:ext cx="1368152" cy="216024"/>
+          </a:xfrm>
+          <a:prstGeom prst="leftArrow">
+            <a:avLst/>
+          </a:prstGeom>
+        </p:spPr>
+        <p:style>
+          <a:lnRef idx="2">
+            <a:schemeClr val="accent4">
+              <a:shade val="50000"/>
+            </a:schemeClr>
+          </a:lnRef>
+          <a:fillRef idx="1">
+            <a:schemeClr val="accent4"/>
+          </a:fillRef>
+          <a:effectRef idx="0">
+            <a:schemeClr val="accent4"/>
+          </a:effectRef>
+          <a:fontRef idx="minor">
+            <a:schemeClr val="lt1"/>
+          </a:fontRef>
+        </p:style>
+        <p:txBody>
+          <a:bodyPr rtlCol="0" anchor="ctr"/>
+          <a:lstStyle/>
+          <a:p>
+            <a:pPr algn="ctr"/>
+            <a:endParaRPr lang="zh-CN" altLang="en-US"/>
+          </a:p>
+        </p:txBody>
+      </p:sp>
+    </p:spTree>
+    <p:extLst>
+      <p:ext uri="{BB962C8B-B14F-4D97-AF65-F5344CB8AC3E}">
+        <p14:creationId xmlns:p14="http://schemas.microsoft.com/office/powerpoint/2010/main" val="239284121"/>
+      </p:ext>
+    </p:extLst>
+  </p:cSld>
+  <p:clrMapOvr>
+    <a:masterClrMapping/>
+  </p:clrMapOvr>
+  <p:timing>
+    <p:tnLst>
+      <p:par>
+        <p:cTn id="1" dur="indefinite" restart="never" nodeType="tmRoot"/>
+      </p:par>
+    </p:tnLst>
+  </p:timing>
+</p:sld>
+</file>
+
+<file path=ppt/slides/slide7.xml><?xml version="1.0" encoding="utf-8"?>
+<p:sld xmlns:a="http://schemas.openxmlformats.org/drawingml/2006/main" xmlns:r="http://schemas.openxmlformats.org/officeDocument/2006/relationships" xmlns:p="http://schemas.openxmlformats.org/presentationml/2006/main">
+  <p:cSld>
+    <p:spTree>
+      <p:nvGrpSpPr>
+        <p:cNvPr id="1" name=""/>
+        <p:cNvGrpSpPr/>
+        <p:nvPr/>
+      </p:nvGrpSpPr>
+      <p:grpSpPr>
+        <a:xfrm>
+          <a:off x="0" y="0"/>
+          <a:ext cx="0" cy="0"/>
+          <a:chOff x="0" y="0"/>
+          <a:chExt cx="0" cy="0"/>
+        </a:xfrm>
+      </p:grpSpPr>
+      <p:sp>
+        <p:nvSpPr>
+          <p:cNvPr id="4" name="Rectangle 5"/>
+          <p:cNvSpPr>
+            <a:spLocks noGrp="1" noChangeArrowheads="1"/>
+          </p:cNvSpPr>
+          <p:nvPr>
+            <p:ph type="ftr" sz="quarter" idx="10"/>
+          </p:nvPr>
+        </p:nvSpPr>
+        <p:spPr>
+          <a:ln/>
+        </p:spPr>
+        <p:txBody>
+          <a:bodyPr/>
+          <a:lstStyle/>
+          <a:p>
+            <a:r>
+              <a:rPr lang="de-DE" altLang="de-DE" dirty="0"/>
+              <a:t>Peiren Yang</a:t>
+            </a:r>
+          </a:p>
+        </p:txBody>
+      </p:sp>
+      <p:sp>
+        <p:nvSpPr>
+          <p:cNvPr id="6149" name="Rectangle 2"/>
+          <p:cNvSpPr>
+            <a:spLocks noGrp="1" noChangeArrowheads="1"/>
+          </p:cNvSpPr>
+          <p:nvPr>
+            <p:ph type="title"/>
+          </p:nvPr>
+        </p:nvSpPr>
+        <p:spPr/>
+        <p:txBody>
+          <a:bodyPr/>
+          <a:lstStyle/>
+          <a:p>
+            <a:r>
+              <a:rPr lang="de-DE" altLang="de-DE" dirty="0" smtClean="0"/>
+              <a:t>Solution Approach – </a:t>
+            </a:r>
+            <a:r>
+              <a:rPr lang="en-US" altLang="de-DE" dirty="0"/>
+              <a:t>Continuous Integration</a:t>
+            </a:r>
+            <a:endParaRPr lang="de-DE" altLang="de-DE" dirty="0" smtClean="0"/>
+          </a:p>
+        </p:txBody>
+      </p:sp>
+      <p:sp>
+        <p:nvSpPr>
+          <p:cNvPr id="6150" name="Rectangle 3"/>
+          <p:cNvSpPr>
+            <a:spLocks noGrp="1" noChangeArrowheads="1"/>
+          </p:cNvSpPr>
+          <p:nvPr>
+            <p:ph type="body" idx="1"/>
+          </p:nvPr>
+        </p:nvSpPr>
+        <p:spPr>
+          <a:xfrm>
+            <a:off x="392113" y="1196752"/>
+            <a:ext cx="8356600" cy="4894262"/>
+          </a:xfrm>
+        </p:spPr>
+        <p:txBody>
+          <a:bodyPr/>
+          <a:lstStyle/>
+          <a:p>
+            <a:r>
+              <a:rPr lang="en-US" altLang="de-DE" dirty="0" smtClean="0"/>
+              <a:t>Automatic</a:t>
+            </a:r>
+            <a:r>
+              <a:rPr lang="de-DE" altLang="de-DE" dirty="0" smtClean="0"/>
+              <a:t> </a:t>
+            </a:r>
+            <a:r>
+              <a:rPr lang="en-US" altLang="zh-CN" dirty="0" smtClean="0"/>
+              <a:t>Test</a:t>
+            </a:r>
+            <a:r>
+              <a:rPr lang="en-US" altLang="de-DE" dirty="0" smtClean="0"/>
+              <a:t> </a:t>
+            </a:r>
+            <a:r>
+              <a:rPr lang="en-US" altLang="zh-CN" dirty="0" smtClean="0"/>
+              <a:t>with Visual Studio App Center</a:t>
+            </a:r>
+            <a:endParaRPr lang="en-US" altLang="de-DE" dirty="0" smtClean="0"/>
+          </a:p>
+          <a:p>
+            <a:pPr lvl="1">
+              <a:lnSpc>
+                <a:spcPct val="150000"/>
+              </a:lnSpc>
+            </a:pPr>
+            <a:r>
+              <a:rPr lang="en-US" altLang="zh-CN" dirty="0" smtClean="0"/>
+              <a:t>Test devices can </a:t>
+            </a:r>
+            <a:r>
+              <a:rPr lang="en-US" altLang="zh-CN" dirty="0"/>
+              <a:t>be defined </a:t>
+            </a:r>
+            <a:r>
+              <a:rPr lang="en-US" altLang="zh-CN" dirty="0" smtClean="0"/>
+              <a:t>as device set and </a:t>
+            </a:r>
+            <a:r>
+              <a:rPr lang="en-US" altLang="zh-CN" dirty="0"/>
+              <a:t>referenced many </a:t>
+            </a:r>
+            <a:r>
+              <a:rPr lang="en-US" altLang="zh-CN" dirty="0" smtClean="0"/>
+              <a:t>times</a:t>
+            </a:r>
+          </a:p>
+          <a:p>
+            <a:pPr lvl="1">
+              <a:lnSpc>
+                <a:spcPct val="150000"/>
+              </a:lnSpc>
+            </a:pPr>
+            <a:r>
+              <a:rPr lang="en-US" altLang="zh-CN" dirty="0" smtClean="0"/>
+              <a:t>Monitoring hardware resource utilization</a:t>
+            </a:r>
+            <a:r>
+              <a:rPr lang="en-US" altLang="zh-CN" dirty="0"/>
+              <a:t>, consumption </a:t>
+            </a:r>
+            <a:r>
+              <a:rPr lang="en-US" altLang="zh-CN" dirty="0" smtClean="0"/>
+              <a:t>of resources </a:t>
+            </a:r>
+            <a:r>
+              <a:rPr lang="en-US" altLang="zh-CN" dirty="0" smtClean="0"/>
+              <a:t>like RAM </a:t>
+            </a:r>
+            <a:r>
+              <a:rPr lang="en-US" altLang="zh-CN" dirty="0" smtClean="0"/>
+              <a:t>can </a:t>
+            </a:r>
+            <a:r>
+              <a:rPr lang="en-US" altLang="zh-CN" dirty="0" smtClean="0"/>
+              <a:t>be captured and added to statistical information</a:t>
+            </a:r>
+          </a:p>
+          <a:p>
+            <a:pPr lvl="1">
+              <a:lnSpc>
+                <a:spcPct val="150000"/>
+              </a:lnSpc>
+            </a:pPr>
+            <a:r>
+              <a:rPr lang="en-US" altLang="zh-CN" dirty="0" smtClean="0"/>
+              <a:t>Test can be triggered with the build scripts after a successful build, so that the complete process works automatically</a:t>
+            </a:r>
+          </a:p>
+        </p:txBody>
+      </p:sp>
+    </p:spTree>
+    <p:extLst>
+      <p:ext uri="{BB962C8B-B14F-4D97-AF65-F5344CB8AC3E}">
+        <p14:creationId xmlns:p14="http://schemas.microsoft.com/office/powerpoint/2010/main" val="3351708327"/>
+      </p:ext>
+    </p:extLst>
+  </p:cSld>
+  <p:clrMapOvr>
+    <a:masterClrMapping/>
+  </p:clrMapOvr>
+  <p:timing>
+    <p:tnLst>
+      <p:par>
+        <p:cTn id="1" dur="indefinite" restart="never" nodeType="tmRoot"/>
+      </p:par>
+    </p:tnLst>
+  </p:timing>
+</p:sld>
+</file>
+
+<file path=ppt/slides/slide8.xml><?xml version="1.0" encoding="utf-8"?>
+<p:sld xmlns:a="http://schemas.openxmlformats.org/drawingml/2006/main" xmlns:r="http://schemas.openxmlformats.org/officeDocument/2006/relationships" xmlns:p="http://schemas.openxmlformats.org/presentationml/2006/main">
+  <p:cSld>
+    <p:spTree>
+      <p:nvGrpSpPr>
+        <p:cNvPr id="1" name=""/>
+        <p:cNvGrpSpPr/>
+        <p:nvPr/>
+      </p:nvGrpSpPr>
+      <p:grpSpPr>
+        <a:xfrm>
+          <a:off x="0" y="0"/>
+          <a:ext cx="0" cy="0"/>
+          <a:chOff x="0" y="0"/>
+          <a:chExt cx="0" cy="0"/>
+        </a:xfrm>
+      </p:grpSpPr>
+      <p:sp>
+        <p:nvSpPr>
+          <p:cNvPr id="4" name="Rectangle 5"/>
+          <p:cNvSpPr>
+            <a:spLocks noGrp="1" noChangeArrowheads="1"/>
+          </p:cNvSpPr>
+          <p:nvPr>
+            <p:ph type="ftr" sz="quarter" idx="10"/>
+          </p:nvPr>
+        </p:nvSpPr>
+        <p:spPr>
+          <a:ln/>
+        </p:spPr>
+        <p:txBody>
+          <a:bodyPr/>
+          <a:lstStyle/>
+          <a:p>
+            <a:r>
+              <a:rPr lang="de-DE" altLang="de-DE" dirty="0"/>
+              <a:t>Peiren Yang</a:t>
+            </a:r>
+          </a:p>
+        </p:txBody>
+      </p:sp>
+      <p:sp>
+        <p:nvSpPr>
+          <p:cNvPr id="6149" name="Rectangle 2"/>
+          <p:cNvSpPr>
+            <a:spLocks noGrp="1" noChangeArrowheads="1"/>
+          </p:cNvSpPr>
+          <p:nvPr>
+            <p:ph type="title"/>
+          </p:nvPr>
+        </p:nvSpPr>
+        <p:spPr/>
+        <p:txBody>
+          <a:bodyPr/>
+          <a:lstStyle/>
+          <a:p>
+            <a:r>
+              <a:rPr lang="de-DE" altLang="de-DE" dirty="0" smtClean="0"/>
+              <a:t>Solution Approach – </a:t>
+            </a:r>
+            <a:r>
+              <a:rPr lang="en-US" altLang="de-DE" dirty="0"/>
+              <a:t>Continuous Integration</a:t>
+            </a:r>
+            <a:endParaRPr lang="de-DE" altLang="de-DE" dirty="0" smtClean="0"/>
+          </a:p>
+        </p:txBody>
+      </p:sp>
+      <p:sp>
+        <p:nvSpPr>
+          <p:cNvPr id="6150" name="Rectangle 3"/>
+          <p:cNvSpPr>
+            <a:spLocks noGrp="1" noChangeArrowheads="1"/>
+          </p:cNvSpPr>
+          <p:nvPr>
+            <p:ph type="body" idx="1"/>
+          </p:nvPr>
+        </p:nvSpPr>
+        <p:spPr>
+          <a:xfrm>
+            <a:off x="392113" y="1196752"/>
+            <a:ext cx="8356600" cy="4894262"/>
+          </a:xfrm>
+        </p:spPr>
+        <p:txBody>
+          <a:bodyPr/>
+          <a:lstStyle/>
+          <a:p>
+            <a:r>
+              <a:rPr lang="en-US" altLang="de-DE" dirty="0" smtClean="0"/>
+              <a:t>Automatic</a:t>
+            </a:r>
+            <a:r>
+              <a:rPr lang="de-DE" altLang="de-DE" dirty="0" smtClean="0"/>
+              <a:t> </a:t>
+            </a:r>
+            <a:r>
+              <a:rPr lang="en-US" altLang="zh-CN" dirty="0" smtClean="0"/>
+              <a:t>Test</a:t>
+            </a:r>
+            <a:r>
+              <a:rPr lang="en-US" altLang="de-DE" dirty="0" smtClean="0"/>
+              <a:t> </a:t>
+            </a:r>
+            <a:r>
+              <a:rPr lang="en-US" altLang="zh-CN" dirty="0" smtClean="0"/>
+              <a:t>with Visual Studio App Center</a:t>
+            </a:r>
+            <a:endParaRPr lang="en-US" altLang="de-DE" dirty="0" smtClean="0"/>
           </a:p>
           <a:p>
             <a:pPr lvl="1"/>
             <a:r>
-              <a:rPr lang="en-US" altLang="de-DE" dirty="0" smtClean="0"/>
-              <a:t>Stores can be connected to App Center, which makes the publish more efficient</a:t>
+              <a:rPr lang="en-US" altLang="zh-CN" dirty="0" smtClean="0"/>
+              <a:t>User-friendly statistical analysis</a:t>
             </a:r>
           </a:p>
         </p:txBody>
@@ -6921,8 +8649,8 @@
         </p:blipFill>
         <p:spPr>
           <a:xfrm>
-            <a:off x="688924" y="2492896"/>
-            <a:ext cx="7762977" cy="3703587"/>
+            <a:off x="899592" y="2132856"/>
+            <a:ext cx="7445088" cy="3544542"/>
           </a:xfrm>
           <a:prstGeom prst="rect">
             <a:avLst/>
@@ -6932,7 +8660,7 @@
     </p:spTree>
     <p:extLst>
       <p:ext uri="{BB962C8B-B14F-4D97-AF65-F5344CB8AC3E}">
-        <p14:creationId xmlns:p14="http://schemas.microsoft.com/office/powerpoint/2010/main" val="615230541"/>
+        <p14:creationId xmlns:p14="http://schemas.microsoft.com/office/powerpoint/2010/main" val="3146799928"/>
       </p:ext>
     </p:extLst>
   </p:cSld>
@@ -6949,7 +8677,7 @@
 </p:sld>
 </file>
 
-<file path=ppt/slides/slide7.xml><?xml version="1.0" encoding="utf-8"?>
+<file path=ppt/slides/slide9.xml><?xml version="1.0" encoding="utf-8"?>
 <p:sld xmlns:a="http://schemas.openxmlformats.org/drawingml/2006/main" xmlns:r="http://schemas.openxmlformats.org/officeDocument/2006/relationships" xmlns:p="http://schemas.openxmlformats.org/presentationml/2006/main">
   <p:cSld>
     <p:spTree>
@@ -7112,344 +8840,6 @@
     <p:extLst>
       <p:ext uri="{BB962C8B-B14F-4D97-AF65-F5344CB8AC3E}">
         <p14:creationId xmlns:p14="http://schemas.microsoft.com/office/powerpoint/2010/main" val="515532737"/>
-      </p:ext>
-    </p:extLst>
-  </p:cSld>
-  <p:clrMapOvr>
-    <a:masterClrMapping/>
-  </p:clrMapOvr>
-  <p:timing>
-    <p:tnLst>
-      <p:par>
-        <p:cTn id="1" dur="indefinite" restart="never" nodeType="tmRoot"/>
-      </p:par>
-    </p:tnLst>
-  </p:timing>
-</p:sld>
-</file>
-
-<file path=ppt/slides/slide8.xml><?xml version="1.0" encoding="utf-8"?>
-<p:sld xmlns:a="http://schemas.openxmlformats.org/drawingml/2006/main" xmlns:r="http://schemas.openxmlformats.org/officeDocument/2006/relationships" xmlns:p="http://schemas.openxmlformats.org/presentationml/2006/main">
-  <p:cSld>
-    <p:spTree>
-      <p:nvGrpSpPr>
-        <p:cNvPr id="1" name=""/>
-        <p:cNvGrpSpPr/>
-        <p:nvPr/>
-      </p:nvGrpSpPr>
-      <p:grpSpPr>
-        <a:xfrm>
-          <a:off x="0" y="0"/>
-          <a:ext cx="0" cy="0"/>
-          <a:chOff x="0" y="0"/>
-          <a:chExt cx="0" cy="0"/>
-        </a:xfrm>
-      </p:grpSpPr>
-      <p:sp>
-        <p:nvSpPr>
-          <p:cNvPr id="4" name="Rectangle 5"/>
-          <p:cNvSpPr>
-            <a:spLocks noGrp="1" noChangeArrowheads="1"/>
-          </p:cNvSpPr>
-          <p:nvPr>
-            <p:ph type="ftr" sz="quarter" idx="10"/>
-          </p:nvPr>
-        </p:nvSpPr>
-        <p:spPr>
-          <a:ln/>
-        </p:spPr>
-        <p:txBody>
-          <a:bodyPr/>
-          <a:lstStyle/>
-          <a:p>
-            <a:r>
-              <a:rPr lang="de-DE" altLang="de-DE" dirty="0"/>
-              <a:t>Peiren Yang</a:t>
-            </a:r>
-          </a:p>
-        </p:txBody>
-      </p:sp>
-      <p:sp>
-        <p:nvSpPr>
-          <p:cNvPr id="6149" name="Rectangle 2"/>
-          <p:cNvSpPr>
-            <a:spLocks noGrp="1" noChangeArrowheads="1"/>
-          </p:cNvSpPr>
-          <p:nvPr>
-            <p:ph type="title"/>
-          </p:nvPr>
-        </p:nvSpPr>
-        <p:spPr/>
-        <p:txBody>
-          <a:bodyPr/>
-          <a:lstStyle/>
-          <a:p>
-            <a:r>
-              <a:rPr lang="de-DE" altLang="de-DE" dirty="0" smtClean="0"/>
-              <a:t>Solution Approach – </a:t>
-            </a:r>
-            <a:r>
-              <a:rPr lang="en-US" altLang="de-DE" dirty="0"/>
-              <a:t>Continuous Integration</a:t>
-            </a:r>
-            <a:endParaRPr lang="de-DE" altLang="de-DE" dirty="0" smtClean="0"/>
-          </a:p>
-        </p:txBody>
-      </p:sp>
-      <p:sp>
-        <p:nvSpPr>
-          <p:cNvPr id="6150" name="Rectangle 3"/>
-          <p:cNvSpPr>
-            <a:spLocks noGrp="1" noChangeArrowheads="1"/>
-          </p:cNvSpPr>
-          <p:nvPr>
-            <p:ph type="body" idx="1"/>
-          </p:nvPr>
-        </p:nvSpPr>
-        <p:spPr>
-          <a:xfrm>
-            <a:off x="392113" y="1196752"/>
-            <a:ext cx="8356600" cy="4894262"/>
-          </a:xfrm>
-        </p:spPr>
-        <p:txBody>
-          <a:bodyPr/>
-          <a:lstStyle/>
-          <a:p>
-            <a:r>
-              <a:rPr lang="en-US" altLang="de-DE" dirty="0" smtClean="0"/>
-              <a:t>Automatic</a:t>
-            </a:r>
-            <a:r>
-              <a:rPr lang="de-DE" altLang="de-DE" dirty="0" smtClean="0"/>
-              <a:t> </a:t>
-            </a:r>
-            <a:r>
-              <a:rPr lang="en-US" altLang="zh-CN" dirty="0" smtClean="0"/>
-              <a:t>Test</a:t>
-            </a:r>
-            <a:r>
-              <a:rPr lang="en-US" altLang="de-DE" dirty="0" smtClean="0"/>
-              <a:t> </a:t>
-            </a:r>
-            <a:r>
-              <a:rPr lang="en-US" altLang="zh-CN" dirty="0" smtClean="0"/>
-              <a:t>with Visual Studio App Center</a:t>
-            </a:r>
-            <a:endParaRPr lang="en-US" altLang="de-DE" dirty="0" smtClean="0"/>
-          </a:p>
-          <a:p>
-            <a:pPr lvl="1"/>
-            <a:r>
-              <a:rPr lang="en-US" altLang="zh-CN" dirty="0" smtClean="0"/>
-              <a:t>User-friendly statistical analysis</a:t>
-            </a:r>
-          </a:p>
-        </p:txBody>
-      </p:sp>
-      <p:pic>
-        <p:nvPicPr>
-          <p:cNvPr id="3" name="图片 2"/>
-          <p:cNvPicPr>
-            <a:picLocks noChangeAspect="1"/>
-          </p:cNvPicPr>
-          <p:nvPr/>
-        </p:nvPicPr>
-        <p:blipFill>
-          <a:blip r:embed="rId2" cstate="print">
-            <a:extLst>
-              <a:ext uri="{28A0092B-C50C-407E-A947-70E740481C1C}">
-                <a14:useLocalDpi xmlns:a14="http://schemas.microsoft.com/office/drawing/2010/main" val="0"/>
-              </a:ext>
-            </a:extLst>
-          </a:blip>
-          <a:stretch>
-            <a:fillRect/>
-          </a:stretch>
-        </p:blipFill>
-        <p:spPr>
-          <a:xfrm>
-            <a:off x="899592" y="2132856"/>
-            <a:ext cx="7445088" cy="3544542"/>
-          </a:xfrm>
-          <a:prstGeom prst="rect">
-            <a:avLst/>
-          </a:prstGeom>
-        </p:spPr>
-      </p:pic>
-    </p:spTree>
-    <p:extLst>
-      <p:ext uri="{BB962C8B-B14F-4D97-AF65-F5344CB8AC3E}">
-        <p14:creationId xmlns:p14="http://schemas.microsoft.com/office/powerpoint/2010/main" val="3146799928"/>
-      </p:ext>
-    </p:extLst>
-  </p:cSld>
-  <p:clrMapOvr>
-    <a:masterClrMapping/>
-  </p:clrMapOvr>
-  <p:timing>
-    <p:tnLst>
-      <p:par>
-        <p:cTn id="1" dur="indefinite" restart="never" nodeType="tmRoot"/>
-      </p:par>
-    </p:tnLst>
-  </p:timing>
-</p:sld>
-</file>
-
-<file path=ppt/slides/slide9.xml><?xml version="1.0" encoding="utf-8"?>
-<p:sld xmlns:a="http://schemas.openxmlformats.org/drawingml/2006/main" xmlns:r="http://schemas.openxmlformats.org/officeDocument/2006/relationships" xmlns:p="http://schemas.openxmlformats.org/presentationml/2006/main">
-  <p:cSld>
-    <p:spTree>
-      <p:nvGrpSpPr>
-        <p:cNvPr id="1" name=""/>
-        <p:cNvGrpSpPr/>
-        <p:nvPr/>
-      </p:nvGrpSpPr>
-      <p:grpSpPr>
-        <a:xfrm>
-          <a:off x="0" y="0"/>
-          <a:ext cx="0" cy="0"/>
-          <a:chOff x="0" y="0"/>
-          <a:chExt cx="0" cy="0"/>
-        </a:xfrm>
-      </p:grpSpPr>
-      <p:sp>
-        <p:nvSpPr>
-          <p:cNvPr id="4" name="Rectangle 5"/>
-          <p:cNvSpPr>
-            <a:spLocks noGrp="1" noChangeArrowheads="1"/>
-          </p:cNvSpPr>
-          <p:nvPr>
-            <p:ph type="ftr" sz="quarter" idx="10"/>
-          </p:nvPr>
-        </p:nvSpPr>
-        <p:spPr>
-          <a:ln/>
-        </p:spPr>
-        <p:txBody>
-          <a:bodyPr/>
-          <a:lstStyle/>
-          <a:p>
-            <a:r>
-              <a:rPr lang="de-DE" altLang="de-DE" dirty="0"/>
-              <a:t>Peiren Yang</a:t>
-            </a:r>
-          </a:p>
-        </p:txBody>
-      </p:sp>
-      <p:sp>
-        <p:nvSpPr>
-          <p:cNvPr id="6149" name="Rectangle 2"/>
-          <p:cNvSpPr>
-            <a:spLocks noGrp="1" noChangeArrowheads="1"/>
-          </p:cNvSpPr>
-          <p:nvPr>
-            <p:ph type="title"/>
-          </p:nvPr>
-        </p:nvSpPr>
-        <p:spPr/>
-        <p:txBody>
-          <a:bodyPr/>
-          <a:lstStyle/>
-          <a:p>
-            <a:r>
-              <a:rPr lang="de-DE" altLang="de-DE" dirty="0" smtClean="0"/>
-              <a:t>Solution Approach – </a:t>
-            </a:r>
-            <a:r>
-              <a:rPr lang="en-US" altLang="de-DE" dirty="0"/>
-              <a:t>Continuous Integration</a:t>
-            </a:r>
-            <a:endParaRPr lang="de-DE" altLang="de-DE" dirty="0" smtClean="0"/>
-          </a:p>
-        </p:txBody>
-      </p:sp>
-      <p:sp>
-        <p:nvSpPr>
-          <p:cNvPr id="6150" name="Rectangle 3"/>
-          <p:cNvSpPr>
-            <a:spLocks noGrp="1" noChangeArrowheads="1"/>
-          </p:cNvSpPr>
-          <p:nvPr>
-            <p:ph type="body" idx="1"/>
-          </p:nvPr>
-        </p:nvSpPr>
-        <p:spPr>
-          <a:xfrm>
-            <a:off x="392113" y="1196752"/>
-            <a:ext cx="8356600" cy="4894262"/>
-          </a:xfrm>
-        </p:spPr>
-        <p:txBody>
-          <a:bodyPr/>
-          <a:lstStyle/>
-          <a:p>
-            <a:r>
-              <a:rPr lang="en-US" altLang="de-DE" dirty="0" smtClean="0"/>
-              <a:t>Automatic</a:t>
-            </a:r>
-            <a:r>
-              <a:rPr lang="de-DE" altLang="de-DE" dirty="0" smtClean="0"/>
-              <a:t> </a:t>
-            </a:r>
-            <a:r>
-              <a:rPr lang="en-US" altLang="zh-CN" dirty="0" smtClean="0"/>
-              <a:t>Test</a:t>
-            </a:r>
-            <a:r>
-              <a:rPr lang="en-US" altLang="de-DE" dirty="0" smtClean="0"/>
-              <a:t> </a:t>
-            </a:r>
-            <a:r>
-              <a:rPr lang="en-US" altLang="zh-CN" dirty="0" smtClean="0"/>
-              <a:t>with Visual Studio App Center</a:t>
-            </a:r>
-            <a:endParaRPr lang="en-US" altLang="de-DE" dirty="0" smtClean="0"/>
-          </a:p>
-          <a:p>
-            <a:pPr lvl="1"/>
-            <a:r>
-              <a:rPr lang="en-US" altLang="zh-CN" dirty="0" smtClean="0"/>
-              <a:t>Automatic screen shots for each test device</a:t>
-            </a:r>
-          </a:p>
-        </p:txBody>
-      </p:sp>
-      <p:pic>
-        <p:nvPicPr>
-          <p:cNvPr id="2" name="图片 1"/>
-          <p:cNvPicPr>
-            <a:picLocks noChangeAspect="1"/>
-          </p:cNvPicPr>
-          <p:nvPr/>
-        </p:nvPicPr>
-        <p:blipFill>
-          <a:blip r:embed="rId2" cstate="print">
-            <a:extLst>
-              <a:ext uri="{28A0092B-C50C-407E-A947-70E740481C1C}">
-                <a14:useLocalDpi xmlns:a14="http://schemas.microsoft.com/office/drawing/2010/main" val="0"/>
-              </a:ext>
-            </a:extLst>
-          </a:blip>
-          <a:stretch>
-            <a:fillRect/>
-          </a:stretch>
-        </p:blipFill>
-        <p:spPr>
-          <a:xfrm>
-            <a:off x="971600" y="2204864"/>
-            <a:ext cx="7380312" cy="3521024"/>
-          </a:xfrm>
-          <a:prstGeom prst="rect">
-            <a:avLst/>
-          </a:prstGeom>
-        </p:spPr>
-      </p:pic>
-    </p:spTree>
-    <p:extLst>
-      <p:ext uri="{BB962C8B-B14F-4D97-AF65-F5344CB8AC3E}">
-        <p14:creationId xmlns:p14="http://schemas.microsoft.com/office/powerpoint/2010/main" val="2352767964"/>
       </p:ext>
     </p:extLst>
   </p:cSld>
